--- a/docs/analyze/overview.pptx
+++ b/docs/analyze/overview.pptx
@@ -11,6 +11,12 @@
     <p:sldId id="259" r:id="rId5"/>
     <p:sldId id="260" r:id="rId6"/>
     <p:sldId id="261" r:id="rId7"/>
+    <p:sldId id="262" r:id="rId8"/>
+    <p:sldId id="263" r:id="rId9"/>
+    <p:sldId id="264" r:id="rId10"/>
+    <p:sldId id="265" r:id="rId11"/>
+    <p:sldId id="266" r:id="rId12"/>
+    <p:sldId id="267" r:id="rId13"/>
   </p:sldIdLst>
   <p:sldSz cx="9144000" cy="6858000" type="screen4x3"/>
   <p:notesSz cx="6858000" cy="9144000"/>
@@ -11140,7 +11146,7 @@
           <a:p>
             <a:fld id="{BAB7ABCB-398B-4EE7-A72D-B20ECE1AD42D}" type="datetimeFigureOut">
               <a:rPr lang="zh-CN" altLang="en-US" smtClean="0"/>
-              <a:t>2014/5/8</a:t>
+              <a:t>2014/5/12</a:t>
             </a:fld>
             <a:endParaRPr lang="zh-CN" altLang="en-US"/>
           </a:p>
@@ -11310,7 +11316,7 @@
           <a:p>
             <a:fld id="{BAB7ABCB-398B-4EE7-A72D-B20ECE1AD42D}" type="datetimeFigureOut">
               <a:rPr lang="zh-CN" altLang="en-US" smtClean="0"/>
-              <a:t>2014/5/8</a:t>
+              <a:t>2014/5/12</a:t>
             </a:fld>
             <a:endParaRPr lang="zh-CN" altLang="en-US"/>
           </a:p>
@@ -11490,7 +11496,7 @@
           <a:p>
             <a:fld id="{BAB7ABCB-398B-4EE7-A72D-B20ECE1AD42D}" type="datetimeFigureOut">
               <a:rPr lang="zh-CN" altLang="en-US" smtClean="0"/>
-              <a:t>2014/5/8</a:t>
+              <a:t>2014/5/12</a:t>
             </a:fld>
             <a:endParaRPr lang="zh-CN" altLang="en-US"/>
           </a:p>
@@ -11660,7 +11666,7 @@
           <a:p>
             <a:fld id="{BAB7ABCB-398B-4EE7-A72D-B20ECE1AD42D}" type="datetimeFigureOut">
               <a:rPr lang="zh-CN" altLang="en-US" smtClean="0"/>
-              <a:t>2014/5/8</a:t>
+              <a:t>2014/5/12</a:t>
             </a:fld>
             <a:endParaRPr lang="zh-CN" altLang="en-US"/>
           </a:p>
@@ -11906,7 +11912,7 @@
           <a:p>
             <a:fld id="{BAB7ABCB-398B-4EE7-A72D-B20ECE1AD42D}" type="datetimeFigureOut">
               <a:rPr lang="zh-CN" altLang="en-US" smtClean="0"/>
-              <a:t>2014/5/8</a:t>
+              <a:t>2014/5/12</a:t>
             </a:fld>
             <a:endParaRPr lang="zh-CN" altLang="en-US"/>
           </a:p>
@@ -12194,7 +12200,7 @@
           <a:p>
             <a:fld id="{BAB7ABCB-398B-4EE7-A72D-B20ECE1AD42D}" type="datetimeFigureOut">
               <a:rPr lang="zh-CN" altLang="en-US" smtClean="0"/>
-              <a:t>2014/5/8</a:t>
+              <a:t>2014/5/12</a:t>
             </a:fld>
             <a:endParaRPr lang="zh-CN" altLang="en-US"/>
           </a:p>
@@ -12616,7 +12622,7 @@
           <a:p>
             <a:fld id="{BAB7ABCB-398B-4EE7-A72D-B20ECE1AD42D}" type="datetimeFigureOut">
               <a:rPr lang="zh-CN" altLang="en-US" smtClean="0"/>
-              <a:t>2014/5/8</a:t>
+              <a:t>2014/5/12</a:t>
             </a:fld>
             <a:endParaRPr lang="zh-CN" altLang="en-US"/>
           </a:p>
@@ -12734,7 +12740,7 @@
           <a:p>
             <a:fld id="{BAB7ABCB-398B-4EE7-A72D-B20ECE1AD42D}" type="datetimeFigureOut">
               <a:rPr lang="zh-CN" altLang="en-US" smtClean="0"/>
-              <a:t>2014/5/8</a:t>
+              <a:t>2014/5/12</a:t>
             </a:fld>
             <a:endParaRPr lang="zh-CN" altLang="en-US"/>
           </a:p>
@@ -12829,7 +12835,7 @@
           <a:p>
             <a:fld id="{BAB7ABCB-398B-4EE7-A72D-B20ECE1AD42D}" type="datetimeFigureOut">
               <a:rPr lang="zh-CN" altLang="en-US" smtClean="0"/>
-              <a:t>2014/5/8</a:t>
+              <a:t>2014/5/12</a:t>
             </a:fld>
             <a:endParaRPr lang="zh-CN" altLang="en-US"/>
           </a:p>
@@ -13106,7 +13112,7 @@
           <a:p>
             <a:fld id="{BAB7ABCB-398B-4EE7-A72D-B20ECE1AD42D}" type="datetimeFigureOut">
               <a:rPr lang="zh-CN" altLang="en-US" smtClean="0"/>
-              <a:t>2014/5/8</a:t>
+              <a:t>2014/5/12</a:t>
             </a:fld>
             <a:endParaRPr lang="zh-CN" altLang="en-US"/>
           </a:p>
@@ -13359,7 +13365,7 @@
           <a:p>
             <a:fld id="{BAB7ABCB-398B-4EE7-A72D-B20ECE1AD42D}" type="datetimeFigureOut">
               <a:rPr lang="zh-CN" altLang="en-US" smtClean="0"/>
-              <a:t>2014/5/8</a:t>
+              <a:t>2014/5/12</a:t>
             </a:fld>
             <a:endParaRPr lang="zh-CN" altLang="en-US"/>
           </a:p>
@@ -13572,7 +13578,7 @@
           <a:p>
             <a:fld id="{BAB7ABCB-398B-4EE7-A72D-B20ECE1AD42D}" type="datetimeFigureOut">
               <a:rPr lang="zh-CN" altLang="en-US" smtClean="0"/>
-              <a:t>2014/5/8</a:t>
+              <a:t>2014/5/12</a:t>
             </a:fld>
             <a:endParaRPr lang="zh-CN" altLang="en-US"/>
           </a:p>
@@ -15291,6 +15297,1933 @@
   <p:clrMapOvr>
     <a:masterClrMapping/>
   </p:clrMapOvr>
+</p:sld>
+</file>
+
+<file path=ppt/slides/slide10.xml><?xml version="1.0" encoding="utf-8"?>
+<p:sld xmlns:a="http://schemas.openxmlformats.org/drawingml/2006/main" xmlns:r="http://schemas.openxmlformats.org/officeDocument/2006/relationships" xmlns:p="http://schemas.openxmlformats.org/presentationml/2006/main">
+  <p:cSld>
+    <p:spTree>
+      <p:nvGrpSpPr>
+        <p:cNvPr id="1" name=""/>
+        <p:cNvGrpSpPr/>
+        <p:nvPr/>
+      </p:nvGrpSpPr>
+      <p:grpSpPr>
+        <a:xfrm>
+          <a:off x="0" y="0"/>
+          <a:ext cx="0" cy="0"/>
+          <a:chOff x="0" y="0"/>
+          <a:chExt cx="0" cy="0"/>
+        </a:xfrm>
+      </p:grpSpPr>
+      <p:grpSp>
+        <p:nvGrpSpPr>
+          <p:cNvPr id="13" name="组合 12"/>
+          <p:cNvGrpSpPr/>
+          <p:nvPr/>
+        </p:nvGrpSpPr>
+        <p:grpSpPr>
+          <a:xfrm>
+            <a:off x="0" y="198120"/>
+            <a:ext cx="13106400" cy="6583680"/>
+            <a:chOff x="0" y="198120"/>
+            <a:chExt cx="13106400" cy="6583680"/>
+          </a:xfrm>
+        </p:grpSpPr>
+        <p:pic>
+          <p:nvPicPr>
+            <p:cNvPr id="4098" name="Picture 2" descr="Z:\Pictures\com.tencent.ScreenCapture\screencap\12.png"/>
+            <p:cNvPicPr>
+              <a:picLocks noChangeAspect="1" noChangeArrowheads="1"/>
+            </p:cNvPicPr>
+            <p:nvPr/>
+          </p:nvPicPr>
+          <p:blipFill>
+            <a:blip r:embed="rId2">
+              <a:extLst>
+                <a:ext uri="{28A0092B-C50C-407E-A947-70E740481C1C}">
+                  <a14:useLocalDpi xmlns:a14="http://schemas.microsoft.com/office/drawing/2010/main" val="0"/>
+                </a:ext>
+              </a:extLst>
+            </a:blip>
+            <a:srcRect/>
+            <a:stretch>
+              <a:fillRect/>
+            </a:stretch>
+          </p:blipFill>
+          <p:spPr bwMode="auto">
+            <a:xfrm>
+              <a:off x="0" y="198120"/>
+              <a:ext cx="4114800" cy="6583680"/>
+            </a:xfrm>
+            <a:prstGeom prst="rect">
+              <a:avLst/>
+            </a:prstGeom>
+            <a:noFill/>
+            <a:extLst>
+              <a:ext uri="{909E8E84-426E-40DD-AFC4-6F175D3DCCD1}">
+                <a14:hiddenFill xmlns:a14="http://schemas.microsoft.com/office/drawing/2010/main">
+                  <a:solidFill>
+                    <a:srgbClr val="FFFFFF"/>
+                  </a:solidFill>
+                </a14:hiddenFill>
+              </a:ext>
+            </a:extLst>
+          </p:spPr>
+        </p:pic>
+        <p:pic>
+          <p:nvPicPr>
+            <p:cNvPr id="4099" name="Picture 3" descr="Z:\Pictures\com.tencent.ScreenCapture\screencap\13.png"/>
+            <p:cNvPicPr>
+              <a:picLocks noChangeAspect="1" noChangeArrowheads="1"/>
+            </p:cNvPicPr>
+            <p:nvPr/>
+          </p:nvPicPr>
+          <p:blipFill>
+            <a:blip r:embed="rId3">
+              <a:extLst>
+                <a:ext uri="{28A0092B-C50C-407E-A947-70E740481C1C}">
+                  <a14:useLocalDpi xmlns:a14="http://schemas.microsoft.com/office/drawing/2010/main" val="0"/>
+                </a:ext>
+              </a:extLst>
+            </a:blip>
+            <a:srcRect/>
+            <a:stretch>
+              <a:fillRect/>
+            </a:stretch>
+          </p:blipFill>
+          <p:spPr bwMode="auto">
+            <a:xfrm>
+              <a:off x="4495800" y="198120"/>
+              <a:ext cx="4114800" cy="6583680"/>
+            </a:xfrm>
+            <a:prstGeom prst="rect">
+              <a:avLst/>
+            </a:prstGeom>
+            <a:noFill/>
+            <a:extLst>
+              <a:ext uri="{909E8E84-426E-40DD-AFC4-6F175D3DCCD1}">
+                <a14:hiddenFill xmlns:a14="http://schemas.microsoft.com/office/drawing/2010/main">
+                  <a:solidFill>
+                    <a:srgbClr val="FFFFFF"/>
+                  </a:solidFill>
+                </a14:hiddenFill>
+              </a:ext>
+            </a:extLst>
+          </p:spPr>
+        </p:pic>
+        <p:pic>
+          <p:nvPicPr>
+            <p:cNvPr id="4100" name="Picture 4" descr="Z:\Pictures\com.tencent.ScreenCapture\screencap\14.png"/>
+            <p:cNvPicPr>
+              <a:picLocks noChangeAspect="1" noChangeArrowheads="1"/>
+            </p:cNvPicPr>
+            <p:nvPr/>
+          </p:nvPicPr>
+          <p:blipFill>
+            <a:blip r:embed="rId4">
+              <a:extLst>
+                <a:ext uri="{28A0092B-C50C-407E-A947-70E740481C1C}">
+                  <a14:useLocalDpi xmlns:a14="http://schemas.microsoft.com/office/drawing/2010/main" val="0"/>
+                </a:ext>
+              </a:extLst>
+            </a:blip>
+            <a:srcRect/>
+            <a:stretch>
+              <a:fillRect/>
+            </a:stretch>
+          </p:blipFill>
+          <p:spPr bwMode="auto">
+            <a:xfrm>
+              <a:off x="8991600" y="198120"/>
+              <a:ext cx="4114800" cy="6583680"/>
+            </a:xfrm>
+            <a:prstGeom prst="rect">
+              <a:avLst/>
+            </a:prstGeom>
+            <a:noFill/>
+            <a:extLst>
+              <a:ext uri="{909E8E84-426E-40DD-AFC4-6F175D3DCCD1}">
+                <a14:hiddenFill xmlns:a14="http://schemas.microsoft.com/office/drawing/2010/main">
+                  <a:solidFill>
+                    <a:srgbClr val="FFFFFF"/>
+                  </a:solidFill>
+                </a14:hiddenFill>
+              </a:ext>
+            </a:extLst>
+          </p:spPr>
+        </p:pic>
+        <p:cxnSp>
+          <p:nvCxnSpPr>
+            <p:cNvPr id="5" name="肘形连接符 4"/>
+            <p:cNvCxnSpPr/>
+            <p:nvPr/>
+          </p:nvCxnSpPr>
+          <p:spPr>
+            <a:xfrm flipV="1">
+              <a:off x="3962400" y="3124200"/>
+              <a:ext cx="1905000" cy="1295400"/>
+            </a:xfrm>
+            <a:prstGeom prst="bentConnector3">
+              <a:avLst/>
+            </a:prstGeom>
+            <a:ln w="19050">
+              <a:solidFill>
+                <a:schemeClr val="tx2">
+                  <a:lumMod val="60000"/>
+                  <a:lumOff val="40000"/>
+                </a:schemeClr>
+              </a:solidFill>
+              <a:headEnd type="oval" w="med" len="med"/>
+              <a:tailEnd type="oval" w="med" len="med"/>
+            </a:ln>
+          </p:spPr>
+          <p:style>
+            <a:lnRef idx="1">
+              <a:schemeClr val="accent1"/>
+            </a:lnRef>
+            <a:fillRef idx="0">
+              <a:schemeClr val="accent1"/>
+            </a:fillRef>
+            <a:effectRef idx="0">
+              <a:schemeClr val="accent1"/>
+            </a:effectRef>
+            <a:fontRef idx="minor">
+              <a:schemeClr val="tx1"/>
+            </a:fontRef>
+          </p:style>
+        </p:cxnSp>
+        <p:cxnSp>
+          <p:nvCxnSpPr>
+            <p:cNvPr id="10" name="肘形连接符 9"/>
+            <p:cNvCxnSpPr/>
+            <p:nvPr/>
+          </p:nvCxnSpPr>
+          <p:spPr>
+            <a:xfrm>
+              <a:off x="6324600" y="1512570"/>
+              <a:ext cx="4114800" cy="1916430"/>
+            </a:xfrm>
+            <a:prstGeom prst="bentConnector3">
+              <a:avLst/>
+            </a:prstGeom>
+            <a:ln w="19050">
+              <a:solidFill>
+                <a:schemeClr val="tx2">
+                  <a:lumMod val="60000"/>
+                  <a:lumOff val="40000"/>
+                </a:schemeClr>
+              </a:solidFill>
+              <a:headEnd type="oval" w="med" len="med"/>
+              <a:tailEnd type="oval" w="med" len="med"/>
+            </a:ln>
+          </p:spPr>
+          <p:style>
+            <a:lnRef idx="1">
+              <a:schemeClr val="accent1"/>
+            </a:lnRef>
+            <a:fillRef idx="0">
+              <a:schemeClr val="accent1"/>
+            </a:fillRef>
+            <a:effectRef idx="0">
+              <a:schemeClr val="accent1"/>
+            </a:effectRef>
+            <a:fontRef idx="minor">
+              <a:schemeClr val="tx1"/>
+            </a:fontRef>
+          </p:style>
+        </p:cxnSp>
+        <p:sp>
+          <p:nvSpPr>
+            <p:cNvPr id="16" name="圆角矩形标注 15"/>
+            <p:cNvSpPr/>
+            <p:nvPr/>
+          </p:nvSpPr>
+          <p:spPr>
+            <a:xfrm flipH="1">
+              <a:off x="3979140" y="3771900"/>
+              <a:ext cx="457200" cy="283464"/>
+            </a:xfrm>
+            <a:prstGeom prst="wedgeRoundRectCallout">
+              <a:avLst>
+                <a:gd name="adj1" fmla="val 39484"/>
+                <a:gd name="adj2" fmla="val 98037"/>
+                <a:gd name="adj3" fmla="val 16667"/>
+              </a:avLst>
+            </a:prstGeom>
+            <a:solidFill>
+              <a:schemeClr val="accent1"/>
+            </a:solidFill>
+            <a:ln>
+              <a:noFill/>
+            </a:ln>
+            <a:effectLst>
+              <a:outerShdw blurRad="50800" dist="38100" dir="5400000" algn="t" rotWithShape="0">
+                <a:prstClr val="black">
+                  <a:alpha val="40000"/>
+                </a:prstClr>
+              </a:outerShdw>
+            </a:effectLst>
+          </p:spPr>
+          <p:style>
+            <a:lnRef idx="2">
+              <a:schemeClr val="accent1">
+                <a:shade val="50000"/>
+              </a:schemeClr>
+            </a:lnRef>
+            <a:fillRef idx="1">
+              <a:schemeClr val="accent1"/>
+            </a:fillRef>
+            <a:effectRef idx="0">
+              <a:schemeClr val="accent1"/>
+            </a:effectRef>
+            <a:fontRef idx="minor">
+              <a:schemeClr val="lt1"/>
+            </a:fontRef>
+          </p:style>
+          <p:txBody>
+            <a:bodyPr rtlCol="0" anchor="ctr"/>
+            <a:lstStyle/>
+            <a:p>
+              <a:pPr algn="ctr"/>
+              <a:r>
+                <a:rPr lang="en-US" altLang="zh-CN" dirty="0" smtClean="0">
+                  <a:latin typeface="Times New Roman" panose="02020603050405020304" pitchFamily="18" charset="0"/>
+                  <a:cs typeface="Times New Roman" panose="02020603050405020304" pitchFamily="18" charset="0"/>
+                </a:rPr>
+                <a:t>1</a:t>
+              </a:r>
+              <a:endParaRPr lang="zh-CN" altLang="en-US" dirty="0">
+                <a:latin typeface="Times New Roman" panose="02020603050405020304" pitchFamily="18" charset="0"/>
+                <a:cs typeface="Times New Roman" panose="02020603050405020304" pitchFamily="18" charset="0"/>
+              </a:endParaRPr>
+            </a:p>
+          </p:txBody>
+        </p:sp>
+        <p:sp>
+          <p:nvSpPr>
+            <p:cNvPr id="17" name="圆角矩形标注 16"/>
+            <p:cNvSpPr/>
+            <p:nvPr/>
+          </p:nvSpPr>
+          <p:spPr>
+            <a:xfrm flipH="1">
+              <a:off x="6406572" y="941832"/>
+              <a:ext cx="457200" cy="283464"/>
+            </a:xfrm>
+            <a:prstGeom prst="wedgeRoundRectCallout">
+              <a:avLst>
+                <a:gd name="adj1" fmla="val 39484"/>
+                <a:gd name="adj2" fmla="val 98037"/>
+                <a:gd name="adj3" fmla="val 16667"/>
+              </a:avLst>
+            </a:prstGeom>
+            <a:solidFill>
+              <a:schemeClr val="accent1"/>
+            </a:solidFill>
+            <a:ln>
+              <a:noFill/>
+            </a:ln>
+            <a:effectLst>
+              <a:outerShdw blurRad="50800" dist="38100" dir="5400000" algn="t" rotWithShape="0">
+                <a:prstClr val="black">
+                  <a:alpha val="40000"/>
+                </a:prstClr>
+              </a:outerShdw>
+            </a:effectLst>
+          </p:spPr>
+          <p:style>
+            <a:lnRef idx="2">
+              <a:schemeClr val="accent1">
+                <a:shade val="50000"/>
+              </a:schemeClr>
+            </a:lnRef>
+            <a:fillRef idx="1">
+              <a:schemeClr val="accent1"/>
+            </a:fillRef>
+            <a:effectRef idx="0">
+              <a:schemeClr val="accent1"/>
+            </a:effectRef>
+            <a:fontRef idx="minor">
+              <a:schemeClr val="lt1"/>
+            </a:fontRef>
+          </p:style>
+          <p:txBody>
+            <a:bodyPr rtlCol="0" anchor="ctr"/>
+            <a:lstStyle/>
+            <a:p>
+              <a:pPr algn="ctr"/>
+              <a:r>
+                <a:rPr lang="en-US" altLang="zh-CN" dirty="0" smtClean="0">
+                  <a:latin typeface="Times New Roman" panose="02020603050405020304" pitchFamily="18" charset="0"/>
+                  <a:cs typeface="Times New Roman" panose="02020603050405020304" pitchFamily="18" charset="0"/>
+                </a:rPr>
+                <a:t>3</a:t>
+              </a:r>
+              <a:endParaRPr lang="zh-CN" altLang="en-US" dirty="0">
+                <a:latin typeface="Times New Roman" panose="02020603050405020304" pitchFamily="18" charset="0"/>
+                <a:cs typeface="Times New Roman" panose="02020603050405020304" pitchFamily="18" charset="0"/>
+              </a:endParaRPr>
+            </a:p>
+          </p:txBody>
+        </p:sp>
+        <p:sp>
+          <p:nvSpPr>
+            <p:cNvPr id="18" name="圆角矩形标注 17"/>
+            <p:cNvSpPr/>
+            <p:nvPr/>
+          </p:nvSpPr>
+          <p:spPr>
+            <a:xfrm flipH="1">
+              <a:off x="6327486" y="3515868"/>
+              <a:ext cx="457200" cy="283464"/>
+            </a:xfrm>
+            <a:prstGeom prst="wedgeRoundRectCallout">
+              <a:avLst>
+                <a:gd name="adj1" fmla="val 39483"/>
+                <a:gd name="adj2" fmla="val -81175"/>
+                <a:gd name="adj3" fmla="val 16667"/>
+              </a:avLst>
+            </a:prstGeom>
+            <a:solidFill>
+              <a:schemeClr val="accent1"/>
+            </a:solidFill>
+            <a:ln>
+              <a:noFill/>
+            </a:ln>
+            <a:effectLst>
+              <a:outerShdw blurRad="50800" dist="38100" dir="5400000" algn="t" rotWithShape="0">
+                <a:prstClr val="black">
+                  <a:alpha val="40000"/>
+                </a:prstClr>
+              </a:outerShdw>
+            </a:effectLst>
+          </p:spPr>
+          <p:style>
+            <a:lnRef idx="2">
+              <a:schemeClr val="accent1">
+                <a:shade val="50000"/>
+              </a:schemeClr>
+            </a:lnRef>
+            <a:fillRef idx="1">
+              <a:schemeClr val="accent1"/>
+            </a:fillRef>
+            <a:effectRef idx="0">
+              <a:schemeClr val="accent1"/>
+            </a:effectRef>
+            <a:fontRef idx="minor">
+              <a:schemeClr val="lt1"/>
+            </a:fontRef>
+          </p:style>
+          <p:txBody>
+            <a:bodyPr rtlCol="0" anchor="ctr"/>
+            <a:lstStyle/>
+            <a:p>
+              <a:pPr algn="ctr"/>
+              <a:r>
+                <a:rPr lang="en-US" altLang="zh-CN" dirty="0">
+                  <a:latin typeface="Times New Roman" panose="02020603050405020304" pitchFamily="18" charset="0"/>
+                  <a:cs typeface="Times New Roman" panose="02020603050405020304" pitchFamily="18" charset="0"/>
+                </a:rPr>
+                <a:t>2</a:t>
+              </a:r>
+              <a:endParaRPr lang="zh-CN" altLang="en-US" dirty="0">
+                <a:latin typeface="Times New Roman" panose="02020603050405020304" pitchFamily="18" charset="0"/>
+                <a:cs typeface="Times New Roman" panose="02020603050405020304" pitchFamily="18" charset="0"/>
+              </a:endParaRPr>
+            </a:p>
+          </p:txBody>
+        </p:sp>
+        <p:sp>
+          <p:nvSpPr>
+            <p:cNvPr id="19" name="圆角矩形标注 18"/>
+            <p:cNvSpPr/>
+            <p:nvPr/>
+          </p:nvSpPr>
+          <p:spPr>
+            <a:xfrm flipH="1">
+              <a:off x="10388022" y="2840736"/>
+              <a:ext cx="457200" cy="283464"/>
+            </a:xfrm>
+            <a:prstGeom prst="wedgeRoundRectCallout">
+              <a:avLst>
+                <a:gd name="adj1" fmla="val 39484"/>
+                <a:gd name="adj2" fmla="val 98037"/>
+                <a:gd name="adj3" fmla="val 16667"/>
+              </a:avLst>
+            </a:prstGeom>
+            <a:solidFill>
+              <a:schemeClr val="accent1"/>
+            </a:solidFill>
+            <a:ln>
+              <a:noFill/>
+            </a:ln>
+            <a:effectLst>
+              <a:outerShdw blurRad="50800" dist="38100" dir="5400000" algn="t" rotWithShape="0">
+                <a:prstClr val="black">
+                  <a:alpha val="40000"/>
+                </a:prstClr>
+              </a:outerShdw>
+            </a:effectLst>
+          </p:spPr>
+          <p:style>
+            <a:lnRef idx="2">
+              <a:schemeClr val="accent1">
+                <a:shade val="50000"/>
+              </a:schemeClr>
+            </a:lnRef>
+            <a:fillRef idx="1">
+              <a:schemeClr val="accent1"/>
+            </a:fillRef>
+            <a:effectRef idx="0">
+              <a:schemeClr val="accent1"/>
+            </a:effectRef>
+            <a:fontRef idx="minor">
+              <a:schemeClr val="lt1"/>
+            </a:fontRef>
+          </p:style>
+          <p:txBody>
+            <a:bodyPr rtlCol="0" anchor="ctr"/>
+            <a:lstStyle/>
+            <a:p>
+              <a:pPr algn="ctr"/>
+              <a:r>
+                <a:rPr lang="en-US" altLang="zh-CN" dirty="0" smtClean="0">
+                  <a:latin typeface="Times New Roman" panose="02020603050405020304" pitchFamily="18" charset="0"/>
+                  <a:cs typeface="Times New Roman" panose="02020603050405020304" pitchFamily="18" charset="0"/>
+                </a:rPr>
+                <a:t>4</a:t>
+              </a:r>
+              <a:endParaRPr lang="zh-CN" altLang="en-US" dirty="0">
+                <a:latin typeface="Times New Roman" panose="02020603050405020304" pitchFamily="18" charset="0"/>
+                <a:cs typeface="Times New Roman" panose="02020603050405020304" pitchFamily="18" charset="0"/>
+              </a:endParaRPr>
+            </a:p>
+          </p:txBody>
+        </p:sp>
+      </p:grpSp>
+    </p:spTree>
+    <p:extLst>
+      <p:ext uri="{BB962C8B-B14F-4D97-AF65-F5344CB8AC3E}">
+        <p14:creationId xmlns:p14="http://schemas.microsoft.com/office/powerpoint/2010/main" val="353344338"/>
+      </p:ext>
+    </p:extLst>
+  </p:cSld>
+  <p:clrMapOvr>
+    <a:masterClrMapping/>
+  </p:clrMapOvr>
+  <p:timing>
+    <p:tnLst>
+      <p:par>
+        <p:cTn id="1" dur="indefinite" restart="never" nodeType="tmRoot"/>
+      </p:par>
+    </p:tnLst>
+  </p:timing>
+</p:sld>
+</file>
+
+<file path=ppt/slides/slide11.xml><?xml version="1.0" encoding="utf-8"?>
+<p:sld xmlns:a="http://schemas.openxmlformats.org/drawingml/2006/main" xmlns:r="http://schemas.openxmlformats.org/officeDocument/2006/relationships" xmlns:p="http://schemas.openxmlformats.org/presentationml/2006/main">
+  <p:cSld>
+    <p:spTree>
+      <p:nvGrpSpPr>
+        <p:cNvPr id="1" name=""/>
+        <p:cNvGrpSpPr/>
+        <p:nvPr/>
+      </p:nvGrpSpPr>
+      <p:grpSpPr>
+        <a:xfrm>
+          <a:off x="0" y="0"/>
+          <a:ext cx="0" cy="0"/>
+          <a:chOff x="0" y="0"/>
+          <a:chExt cx="0" cy="0"/>
+        </a:xfrm>
+      </p:grpSpPr>
+      <p:grpSp>
+        <p:nvGrpSpPr>
+          <p:cNvPr id="26" name="组合 25"/>
+          <p:cNvGrpSpPr/>
+          <p:nvPr/>
+        </p:nvGrpSpPr>
+        <p:grpSpPr>
+          <a:xfrm>
+            <a:off x="-189057" y="0"/>
+            <a:ext cx="8894907" cy="13906500"/>
+            <a:chOff x="-189057" y="0"/>
+            <a:chExt cx="8894907" cy="13906500"/>
+          </a:xfrm>
+        </p:grpSpPr>
+        <p:pic>
+          <p:nvPicPr>
+            <p:cNvPr id="5122" name="Picture 2" descr="Z:\Pictures\com.tencent.ScreenCapture\screencap\15.png"/>
+            <p:cNvPicPr>
+              <a:picLocks noChangeAspect="1" noChangeArrowheads="1"/>
+            </p:cNvPicPr>
+            <p:nvPr/>
+          </p:nvPicPr>
+          <p:blipFill>
+            <a:blip r:embed="rId2">
+              <a:extLst>
+                <a:ext uri="{28A0092B-C50C-407E-A947-70E740481C1C}">
+                  <a14:useLocalDpi xmlns:a14="http://schemas.microsoft.com/office/drawing/2010/main" val="0"/>
+                </a:ext>
+              </a:extLst>
+            </a:blip>
+            <a:srcRect/>
+            <a:stretch>
+              <a:fillRect/>
+            </a:stretch>
+          </p:blipFill>
+          <p:spPr bwMode="auto">
+            <a:xfrm>
+              <a:off x="-189057" y="0"/>
+              <a:ext cx="4286250" cy="6858000"/>
+            </a:xfrm>
+            <a:prstGeom prst="rect">
+              <a:avLst/>
+            </a:prstGeom>
+            <a:noFill/>
+            <a:extLst>
+              <a:ext uri="{909E8E84-426E-40DD-AFC4-6F175D3DCCD1}">
+                <a14:hiddenFill xmlns:a14="http://schemas.microsoft.com/office/drawing/2010/main">
+                  <a:solidFill>
+                    <a:srgbClr val="FFFFFF"/>
+                  </a:solidFill>
+                </a14:hiddenFill>
+              </a:ext>
+            </a:extLst>
+          </p:spPr>
+        </p:pic>
+        <p:pic>
+          <p:nvPicPr>
+            <p:cNvPr id="5123" name="Picture 3" descr="Z:\Pictures\com.tencent.ScreenCapture\screencap\16.png"/>
+            <p:cNvPicPr>
+              <a:picLocks noChangeAspect="1" noChangeArrowheads="1"/>
+            </p:cNvPicPr>
+            <p:nvPr/>
+          </p:nvPicPr>
+          <p:blipFill>
+            <a:blip r:embed="rId3">
+              <a:extLst>
+                <a:ext uri="{28A0092B-C50C-407E-A947-70E740481C1C}">
+                  <a14:useLocalDpi xmlns:a14="http://schemas.microsoft.com/office/drawing/2010/main" val="0"/>
+                </a:ext>
+              </a:extLst>
+            </a:blip>
+            <a:srcRect/>
+            <a:stretch>
+              <a:fillRect/>
+            </a:stretch>
+          </p:blipFill>
+          <p:spPr bwMode="auto">
+            <a:xfrm>
+              <a:off x="4419600" y="0"/>
+              <a:ext cx="4286250" cy="6858000"/>
+            </a:xfrm>
+            <a:prstGeom prst="rect">
+              <a:avLst/>
+            </a:prstGeom>
+            <a:noFill/>
+            <a:extLst>
+              <a:ext uri="{909E8E84-426E-40DD-AFC4-6F175D3DCCD1}">
+                <a14:hiddenFill xmlns:a14="http://schemas.microsoft.com/office/drawing/2010/main">
+                  <a:solidFill>
+                    <a:srgbClr val="FFFFFF"/>
+                  </a:solidFill>
+                </a14:hiddenFill>
+              </a:ext>
+            </a:extLst>
+          </p:spPr>
+        </p:pic>
+        <p:pic>
+          <p:nvPicPr>
+            <p:cNvPr id="5124" name="Picture 4" descr="Z:\Pictures\com.tencent.ScreenCapture\screencap\17.png"/>
+            <p:cNvPicPr>
+              <a:picLocks noChangeAspect="1" noChangeArrowheads="1"/>
+            </p:cNvPicPr>
+            <p:nvPr/>
+          </p:nvPicPr>
+          <p:blipFill>
+            <a:blip r:embed="rId4">
+              <a:extLst>
+                <a:ext uri="{28A0092B-C50C-407E-A947-70E740481C1C}">
+                  <a14:useLocalDpi xmlns:a14="http://schemas.microsoft.com/office/drawing/2010/main" val="0"/>
+                </a:ext>
+              </a:extLst>
+            </a:blip>
+            <a:srcRect/>
+            <a:stretch>
+              <a:fillRect/>
+            </a:stretch>
+          </p:blipFill>
+          <p:spPr bwMode="auto">
+            <a:xfrm>
+              <a:off x="4419600" y="7048500"/>
+              <a:ext cx="4286250" cy="6858000"/>
+            </a:xfrm>
+            <a:prstGeom prst="rect">
+              <a:avLst/>
+            </a:prstGeom>
+            <a:noFill/>
+            <a:extLst>
+              <a:ext uri="{909E8E84-426E-40DD-AFC4-6F175D3DCCD1}">
+                <a14:hiddenFill xmlns:a14="http://schemas.microsoft.com/office/drawing/2010/main">
+                  <a:solidFill>
+                    <a:srgbClr val="FFFFFF"/>
+                  </a:solidFill>
+                </a14:hiddenFill>
+              </a:ext>
+            </a:extLst>
+          </p:spPr>
+        </p:pic>
+        <p:pic>
+          <p:nvPicPr>
+            <p:cNvPr id="5125" name="Picture 5" descr="Z:\Pictures\com.tencent.ScreenCapture\screencap\18.png"/>
+            <p:cNvPicPr>
+              <a:picLocks noChangeAspect="1" noChangeArrowheads="1"/>
+            </p:cNvPicPr>
+            <p:nvPr/>
+          </p:nvPicPr>
+          <p:blipFill>
+            <a:blip r:embed="rId5">
+              <a:extLst>
+                <a:ext uri="{28A0092B-C50C-407E-A947-70E740481C1C}">
+                  <a14:useLocalDpi xmlns:a14="http://schemas.microsoft.com/office/drawing/2010/main" val="0"/>
+                </a:ext>
+              </a:extLst>
+            </a:blip>
+            <a:srcRect/>
+            <a:stretch>
+              <a:fillRect/>
+            </a:stretch>
+          </p:blipFill>
+          <p:spPr bwMode="auto">
+            <a:xfrm>
+              <a:off x="-189057" y="7048500"/>
+              <a:ext cx="4286250" cy="6858000"/>
+            </a:xfrm>
+            <a:prstGeom prst="rect">
+              <a:avLst/>
+            </a:prstGeom>
+            <a:noFill/>
+            <a:extLst>
+              <a:ext uri="{909E8E84-426E-40DD-AFC4-6F175D3DCCD1}">
+                <a14:hiddenFill xmlns:a14="http://schemas.microsoft.com/office/drawing/2010/main">
+                  <a:solidFill>
+                    <a:srgbClr val="FFFFFF"/>
+                  </a:solidFill>
+                </a14:hiddenFill>
+              </a:ext>
+            </a:extLst>
+          </p:spPr>
+        </p:pic>
+        <p:cxnSp>
+          <p:nvCxnSpPr>
+            <p:cNvPr id="8" name="肘形连接符 7"/>
+            <p:cNvCxnSpPr/>
+            <p:nvPr/>
+          </p:nvCxnSpPr>
+          <p:spPr>
+            <a:xfrm flipV="1">
+              <a:off x="3960090" y="4724400"/>
+              <a:ext cx="2824596" cy="609600"/>
+            </a:xfrm>
+            <a:prstGeom prst="bentConnector3">
+              <a:avLst/>
+            </a:prstGeom>
+            <a:ln w="19050">
+              <a:solidFill>
+                <a:schemeClr val="tx2">
+                  <a:lumMod val="60000"/>
+                  <a:lumOff val="40000"/>
+                </a:schemeClr>
+              </a:solidFill>
+              <a:headEnd type="oval" w="med" len="med"/>
+              <a:tailEnd type="oval" w="med" len="med"/>
+            </a:ln>
+          </p:spPr>
+          <p:style>
+            <a:lnRef idx="1">
+              <a:schemeClr val="accent1"/>
+            </a:lnRef>
+            <a:fillRef idx="0">
+              <a:schemeClr val="accent1"/>
+            </a:fillRef>
+            <a:effectRef idx="0">
+              <a:schemeClr val="accent1"/>
+            </a:effectRef>
+            <a:fontRef idx="minor">
+              <a:schemeClr val="tx1"/>
+            </a:fontRef>
+          </p:style>
+        </p:cxnSp>
+        <p:cxnSp>
+          <p:nvCxnSpPr>
+            <p:cNvPr id="9" name="肘形连接符 8"/>
+            <p:cNvCxnSpPr/>
+            <p:nvPr/>
+          </p:nvCxnSpPr>
+          <p:spPr>
+            <a:xfrm rot="5400000">
+              <a:off x="4648200" y="6096000"/>
+              <a:ext cx="5257800" cy="2514600"/>
+            </a:xfrm>
+            <a:prstGeom prst="bentConnector3">
+              <a:avLst>
+                <a:gd name="adj1" fmla="val 50000"/>
+              </a:avLst>
+            </a:prstGeom>
+            <a:ln w="19050">
+              <a:solidFill>
+                <a:schemeClr val="tx2">
+                  <a:lumMod val="60000"/>
+                  <a:lumOff val="40000"/>
+                </a:schemeClr>
+              </a:solidFill>
+              <a:headEnd type="oval" w="med" len="med"/>
+              <a:tailEnd type="oval" w="med" len="med"/>
+            </a:ln>
+          </p:spPr>
+          <p:style>
+            <a:lnRef idx="1">
+              <a:schemeClr val="accent1"/>
+            </a:lnRef>
+            <a:fillRef idx="0">
+              <a:schemeClr val="accent1"/>
+            </a:fillRef>
+            <a:effectRef idx="0">
+              <a:schemeClr val="accent1"/>
+            </a:effectRef>
+            <a:fontRef idx="minor">
+              <a:schemeClr val="tx1"/>
+            </a:fontRef>
+          </p:style>
+        </p:cxnSp>
+        <p:sp>
+          <p:nvSpPr>
+            <p:cNvPr id="10" name="圆角矩形标注 9"/>
+            <p:cNvSpPr/>
+            <p:nvPr/>
+          </p:nvSpPr>
+          <p:spPr>
+            <a:xfrm flipH="1">
+              <a:off x="3960090" y="4745736"/>
+              <a:ext cx="457200" cy="283464"/>
+            </a:xfrm>
+            <a:prstGeom prst="wedgeRoundRectCallout">
+              <a:avLst>
+                <a:gd name="adj1" fmla="val 39484"/>
+                <a:gd name="adj2" fmla="val 98037"/>
+                <a:gd name="adj3" fmla="val 16667"/>
+              </a:avLst>
+            </a:prstGeom>
+            <a:solidFill>
+              <a:schemeClr val="accent1"/>
+            </a:solidFill>
+            <a:ln>
+              <a:noFill/>
+            </a:ln>
+            <a:effectLst>
+              <a:outerShdw blurRad="50800" dist="38100" dir="5400000" algn="t" rotWithShape="0">
+                <a:prstClr val="black">
+                  <a:alpha val="40000"/>
+                </a:prstClr>
+              </a:outerShdw>
+            </a:effectLst>
+          </p:spPr>
+          <p:style>
+            <a:lnRef idx="2">
+              <a:schemeClr val="accent1">
+                <a:shade val="50000"/>
+              </a:schemeClr>
+            </a:lnRef>
+            <a:fillRef idx="1">
+              <a:schemeClr val="accent1"/>
+            </a:fillRef>
+            <a:effectRef idx="0">
+              <a:schemeClr val="accent1"/>
+            </a:effectRef>
+            <a:fontRef idx="minor">
+              <a:schemeClr val="lt1"/>
+            </a:fontRef>
+          </p:style>
+          <p:txBody>
+            <a:bodyPr rtlCol="0" anchor="ctr"/>
+            <a:lstStyle/>
+            <a:p>
+              <a:pPr algn="ctr"/>
+              <a:r>
+                <a:rPr lang="en-US" altLang="zh-CN" dirty="0" smtClean="0">
+                  <a:latin typeface="Times New Roman" panose="02020603050405020304" pitchFamily="18" charset="0"/>
+                  <a:cs typeface="Times New Roman" panose="02020603050405020304" pitchFamily="18" charset="0"/>
+                </a:rPr>
+                <a:t>1</a:t>
+              </a:r>
+              <a:endParaRPr lang="zh-CN" altLang="en-US" dirty="0">
+                <a:latin typeface="Times New Roman" panose="02020603050405020304" pitchFamily="18" charset="0"/>
+                <a:cs typeface="Times New Roman" panose="02020603050405020304" pitchFamily="18" charset="0"/>
+              </a:endParaRPr>
+            </a:p>
+          </p:txBody>
+        </p:sp>
+        <p:sp>
+          <p:nvSpPr>
+            <p:cNvPr id="12" name="圆角矩形标注 11"/>
+            <p:cNvSpPr/>
+            <p:nvPr/>
+          </p:nvSpPr>
+          <p:spPr>
+            <a:xfrm flipH="1">
+              <a:off x="6819900" y="4887468"/>
+              <a:ext cx="457200" cy="283464"/>
+            </a:xfrm>
+            <a:prstGeom prst="wedgeRoundRectCallout">
+              <a:avLst>
+                <a:gd name="adj1" fmla="val 39483"/>
+                <a:gd name="adj2" fmla="val -81175"/>
+                <a:gd name="adj3" fmla="val 16667"/>
+              </a:avLst>
+            </a:prstGeom>
+            <a:solidFill>
+              <a:schemeClr val="accent1"/>
+            </a:solidFill>
+            <a:ln>
+              <a:noFill/>
+            </a:ln>
+            <a:effectLst>
+              <a:outerShdw blurRad="50800" dist="38100" dir="5400000" algn="t" rotWithShape="0">
+                <a:prstClr val="black">
+                  <a:alpha val="40000"/>
+                </a:prstClr>
+              </a:outerShdw>
+            </a:effectLst>
+          </p:spPr>
+          <p:style>
+            <a:lnRef idx="2">
+              <a:schemeClr val="accent1">
+                <a:shade val="50000"/>
+              </a:schemeClr>
+            </a:lnRef>
+            <a:fillRef idx="1">
+              <a:schemeClr val="accent1"/>
+            </a:fillRef>
+            <a:effectRef idx="0">
+              <a:schemeClr val="accent1"/>
+            </a:effectRef>
+            <a:fontRef idx="minor">
+              <a:schemeClr val="lt1"/>
+            </a:fontRef>
+          </p:style>
+          <p:txBody>
+            <a:bodyPr rtlCol="0" anchor="ctr"/>
+            <a:lstStyle/>
+            <a:p>
+              <a:pPr algn="ctr"/>
+              <a:r>
+                <a:rPr lang="en-US" altLang="zh-CN" dirty="0">
+                  <a:latin typeface="Times New Roman" panose="02020603050405020304" pitchFamily="18" charset="0"/>
+                  <a:cs typeface="Times New Roman" panose="02020603050405020304" pitchFamily="18" charset="0"/>
+                </a:rPr>
+                <a:t>2</a:t>
+              </a:r>
+              <a:endParaRPr lang="zh-CN" altLang="en-US" dirty="0">
+                <a:latin typeface="Times New Roman" panose="02020603050405020304" pitchFamily="18" charset="0"/>
+                <a:cs typeface="Times New Roman" panose="02020603050405020304" pitchFamily="18" charset="0"/>
+              </a:endParaRPr>
+            </a:p>
+          </p:txBody>
+        </p:sp>
+        <p:sp>
+          <p:nvSpPr>
+            <p:cNvPr id="13" name="圆角矩形标注 12"/>
+            <p:cNvSpPr/>
+            <p:nvPr/>
+          </p:nvSpPr>
+          <p:spPr>
+            <a:xfrm flipH="1">
+              <a:off x="6105525" y="9525000"/>
+              <a:ext cx="457200" cy="283464"/>
+            </a:xfrm>
+            <a:prstGeom prst="wedgeRoundRectCallout">
+              <a:avLst>
+                <a:gd name="adj1" fmla="val 39484"/>
+                <a:gd name="adj2" fmla="val 98037"/>
+                <a:gd name="adj3" fmla="val 16667"/>
+              </a:avLst>
+            </a:prstGeom>
+            <a:solidFill>
+              <a:schemeClr val="accent1"/>
+            </a:solidFill>
+            <a:ln>
+              <a:noFill/>
+            </a:ln>
+            <a:effectLst>
+              <a:outerShdw blurRad="50800" dist="38100" dir="5400000" algn="t" rotWithShape="0">
+                <a:prstClr val="black">
+                  <a:alpha val="40000"/>
+                </a:prstClr>
+              </a:outerShdw>
+            </a:effectLst>
+          </p:spPr>
+          <p:style>
+            <a:lnRef idx="2">
+              <a:schemeClr val="accent1">
+                <a:shade val="50000"/>
+              </a:schemeClr>
+            </a:lnRef>
+            <a:fillRef idx="1">
+              <a:schemeClr val="accent1"/>
+            </a:fillRef>
+            <a:effectRef idx="0">
+              <a:schemeClr val="accent1"/>
+            </a:effectRef>
+            <a:fontRef idx="minor">
+              <a:schemeClr val="lt1"/>
+            </a:fontRef>
+          </p:style>
+          <p:txBody>
+            <a:bodyPr rtlCol="0" anchor="ctr"/>
+            <a:lstStyle/>
+            <a:p>
+              <a:pPr algn="ctr"/>
+              <a:r>
+                <a:rPr lang="en-US" altLang="zh-CN" dirty="0">
+                  <a:latin typeface="Times New Roman" panose="02020603050405020304" pitchFamily="18" charset="0"/>
+                  <a:cs typeface="Times New Roman" panose="02020603050405020304" pitchFamily="18" charset="0"/>
+                </a:rPr>
+                <a:t>3</a:t>
+              </a:r>
+              <a:endParaRPr lang="zh-CN" altLang="en-US" dirty="0">
+                <a:latin typeface="Times New Roman" panose="02020603050405020304" pitchFamily="18" charset="0"/>
+                <a:cs typeface="Times New Roman" panose="02020603050405020304" pitchFamily="18" charset="0"/>
+              </a:endParaRPr>
+            </a:p>
+          </p:txBody>
+        </p:sp>
+        <p:cxnSp>
+          <p:nvCxnSpPr>
+            <p:cNvPr id="25" name="直接连接符 24"/>
+            <p:cNvCxnSpPr/>
+            <p:nvPr/>
+          </p:nvCxnSpPr>
+          <p:spPr>
+            <a:xfrm flipH="1" flipV="1">
+              <a:off x="1600200" y="10058400"/>
+              <a:ext cx="4267200" cy="76200"/>
+            </a:xfrm>
+            <a:prstGeom prst="line">
+              <a:avLst/>
+            </a:prstGeom>
+            <a:ln w="19050">
+              <a:solidFill>
+                <a:schemeClr val="tx2">
+                  <a:lumMod val="60000"/>
+                  <a:lumOff val="40000"/>
+                </a:schemeClr>
+              </a:solidFill>
+              <a:headEnd type="oval" w="med" len="med"/>
+              <a:tailEnd type="oval" w="med" len="med"/>
+            </a:ln>
+          </p:spPr>
+          <p:style>
+            <a:lnRef idx="1">
+              <a:schemeClr val="accent1"/>
+            </a:lnRef>
+            <a:fillRef idx="0">
+              <a:schemeClr val="accent1"/>
+            </a:fillRef>
+            <a:effectRef idx="0">
+              <a:schemeClr val="accent1"/>
+            </a:effectRef>
+            <a:fontRef idx="minor">
+              <a:schemeClr val="tx1"/>
+            </a:fontRef>
+          </p:style>
+        </p:cxnSp>
+        <p:sp>
+          <p:nvSpPr>
+            <p:cNvPr id="30" name="圆角矩形标注 29"/>
+            <p:cNvSpPr/>
+            <p:nvPr/>
+          </p:nvSpPr>
+          <p:spPr>
+            <a:xfrm flipH="1">
+              <a:off x="1600200" y="9525000"/>
+              <a:ext cx="457200" cy="283464"/>
+            </a:xfrm>
+            <a:prstGeom prst="wedgeRoundRectCallout">
+              <a:avLst>
+                <a:gd name="adj1" fmla="val 39484"/>
+                <a:gd name="adj2" fmla="val 98037"/>
+                <a:gd name="adj3" fmla="val 16667"/>
+              </a:avLst>
+            </a:prstGeom>
+            <a:solidFill>
+              <a:schemeClr val="accent1"/>
+            </a:solidFill>
+            <a:ln>
+              <a:noFill/>
+            </a:ln>
+            <a:effectLst>
+              <a:outerShdw blurRad="50800" dist="38100" dir="5400000" algn="t" rotWithShape="0">
+                <a:prstClr val="black">
+                  <a:alpha val="40000"/>
+                </a:prstClr>
+              </a:outerShdw>
+            </a:effectLst>
+          </p:spPr>
+          <p:style>
+            <a:lnRef idx="2">
+              <a:schemeClr val="accent1">
+                <a:shade val="50000"/>
+              </a:schemeClr>
+            </a:lnRef>
+            <a:fillRef idx="1">
+              <a:schemeClr val="accent1"/>
+            </a:fillRef>
+            <a:effectRef idx="0">
+              <a:schemeClr val="accent1"/>
+            </a:effectRef>
+            <a:fontRef idx="minor">
+              <a:schemeClr val="lt1"/>
+            </a:fontRef>
+          </p:style>
+          <p:txBody>
+            <a:bodyPr rtlCol="0" anchor="ctr"/>
+            <a:lstStyle/>
+            <a:p>
+              <a:pPr algn="ctr"/>
+              <a:r>
+                <a:rPr lang="en-US" altLang="zh-CN" dirty="0" smtClean="0">
+                  <a:latin typeface="Times New Roman" panose="02020603050405020304" pitchFamily="18" charset="0"/>
+                  <a:cs typeface="Times New Roman" panose="02020603050405020304" pitchFamily="18" charset="0"/>
+                </a:rPr>
+                <a:t>4</a:t>
+              </a:r>
+              <a:endParaRPr lang="zh-CN" altLang="en-US" dirty="0">
+                <a:latin typeface="Times New Roman" panose="02020603050405020304" pitchFamily="18" charset="0"/>
+                <a:cs typeface="Times New Roman" panose="02020603050405020304" pitchFamily="18" charset="0"/>
+              </a:endParaRPr>
+            </a:p>
+          </p:txBody>
+        </p:sp>
+      </p:grpSp>
+    </p:spTree>
+    <p:extLst>
+      <p:ext uri="{BB962C8B-B14F-4D97-AF65-F5344CB8AC3E}">
+        <p14:creationId xmlns:p14="http://schemas.microsoft.com/office/powerpoint/2010/main" val="4097005046"/>
+      </p:ext>
+    </p:extLst>
+  </p:cSld>
+  <p:clrMapOvr>
+    <a:masterClrMapping/>
+  </p:clrMapOvr>
+  <p:timing>
+    <p:tnLst>
+      <p:par>
+        <p:cTn id="1" dur="indefinite" restart="never" nodeType="tmRoot"/>
+      </p:par>
+    </p:tnLst>
+  </p:timing>
+</p:sld>
+</file>
+
+<file path=ppt/slides/slide12.xml><?xml version="1.0" encoding="utf-8"?>
+<p:sld xmlns:a="http://schemas.openxmlformats.org/drawingml/2006/main" xmlns:r="http://schemas.openxmlformats.org/officeDocument/2006/relationships" xmlns:p="http://schemas.openxmlformats.org/presentationml/2006/main">
+  <p:cSld>
+    <p:spTree>
+      <p:nvGrpSpPr>
+        <p:cNvPr id="1" name=""/>
+        <p:cNvGrpSpPr/>
+        <p:nvPr/>
+      </p:nvGrpSpPr>
+      <p:grpSpPr>
+        <a:xfrm>
+          <a:off x="0" y="0"/>
+          <a:ext cx="0" cy="0"/>
+          <a:chOff x="0" y="0"/>
+          <a:chExt cx="0" cy="0"/>
+        </a:xfrm>
+      </p:grpSpPr>
+      <p:grpSp>
+        <p:nvGrpSpPr>
+          <p:cNvPr id="33" name="组合 32"/>
+          <p:cNvGrpSpPr/>
+          <p:nvPr/>
+        </p:nvGrpSpPr>
+        <p:grpSpPr>
+          <a:xfrm>
+            <a:off x="371475" y="-1390650"/>
+            <a:ext cx="9096375" cy="6858000"/>
+            <a:chOff x="371475" y="-1390650"/>
+            <a:chExt cx="9096375" cy="6858000"/>
+          </a:xfrm>
+        </p:grpSpPr>
+        <p:pic>
+          <p:nvPicPr>
+            <p:cNvPr id="6147" name="Picture 3" descr="Z:\Pictures\com.tencent.ScreenCapture\screencap\3.png"/>
+            <p:cNvPicPr>
+              <a:picLocks noChangeAspect="1" noChangeArrowheads="1"/>
+            </p:cNvPicPr>
+            <p:nvPr/>
+          </p:nvPicPr>
+          <p:blipFill>
+            <a:blip r:embed="rId2">
+              <a:extLst>
+                <a:ext uri="{28A0092B-C50C-407E-A947-70E740481C1C}">
+                  <a14:useLocalDpi xmlns:a14="http://schemas.microsoft.com/office/drawing/2010/main" val="0"/>
+                </a:ext>
+              </a:extLst>
+            </a:blip>
+            <a:srcRect/>
+            <a:stretch>
+              <a:fillRect/>
+            </a:stretch>
+          </p:blipFill>
+          <p:spPr bwMode="auto">
+            <a:xfrm>
+              <a:off x="371475" y="-1390650"/>
+              <a:ext cx="4286250" cy="6858000"/>
+            </a:xfrm>
+            <a:prstGeom prst="rect">
+              <a:avLst/>
+            </a:prstGeom>
+            <a:noFill/>
+            <a:extLst>
+              <a:ext uri="{909E8E84-426E-40DD-AFC4-6F175D3DCCD1}">
+                <a14:hiddenFill xmlns:a14="http://schemas.microsoft.com/office/drawing/2010/main">
+                  <a:solidFill>
+                    <a:srgbClr val="FFFFFF"/>
+                  </a:solidFill>
+                </a14:hiddenFill>
+              </a:ext>
+            </a:extLst>
+          </p:spPr>
+        </p:pic>
+        <p:pic>
+          <p:nvPicPr>
+            <p:cNvPr id="6148" name="Picture 4" descr="Z:\Pictures\com.tencent.ScreenCapture\screencap\8.png"/>
+            <p:cNvPicPr>
+              <a:picLocks noChangeAspect="1" noChangeArrowheads="1"/>
+            </p:cNvPicPr>
+            <p:nvPr/>
+          </p:nvPicPr>
+          <p:blipFill>
+            <a:blip r:embed="rId3">
+              <a:extLst>
+                <a:ext uri="{28A0092B-C50C-407E-A947-70E740481C1C}">
+                  <a14:useLocalDpi xmlns:a14="http://schemas.microsoft.com/office/drawing/2010/main" val="0"/>
+                </a:ext>
+              </a:extLst>
+            </a:blip>
+            <a:srcRect/>
+            <a:stretch>
+              <a:fillRect/>
+            </a:stretch>
+          </p:blipFill>
+          <p:spPr bwMode="auto">
+            <a:xfrm>
+              <a:off x="5181600" y="-1390650"/>
+              <a:ext cx="4286250" cy="6858000"/>
+            </a:xfrm>
+            <a:prstGeom prst="rect">
+              <a:avLst/>
+            </a:prstGeom>
+            <a:noFill/>
+            <a:extLst>
+              <a:ext uri="{909E8E84-426E-40DD-AFC4-6F175D3DCCD1}">
+                <a14:hiddenFill xmlns:a14="http://schemas.microsoft.com/office/drawing/2010/main">
+                  <a:solidFill>
+                    <a:srgbClr val="FFFFFF"/>
+                  </a:solidFill>
+                </a14:hiddenFill>
+              </a:ext>
+            </a:extLst>
+          </p:spPr>
+        </p:pic>
+        <p:cxnSp>
+          <p:nvCxnSpPr>
+            <p:cNvPr id="13" name="肘形连接符 12"/>
+            <p:cNvCxnSpPr/>
+            <p:nvPr/>
+          </p:nvCxnSpPr>
+          <p:spPr>
+            <a:xfrm>
+              <a:off x="3886200" y="266700"/>
+              <a:ext cx="1295400" cy="114300"/>
+            </a:xfrm>
+            <a:prstGeom prst="bentConnector3">
+              <a:avLst/>
+            </a:prstGeom>
+            <a:ln w="19050">
+              <a:solidFill>
+                <a:schemeClr val="tx2">
+                  <a:lumMod val="60000"/>
+                  <a:lumOff val="40000"/>
+                </a:schemeClr>
+              </a:solidFill>
+              <a:headEnd type="oval" w="med" len="med"/>
+              <a:tailEnd type="oval" w="med" len="med"/>
+            </a:ln>
+          </p:spPr>
+          <p:style>
+            <a:lnRef idx="1">
+              <a:schemeClr val="accent1"/>
+            </a:lnRef>
+            <a:fillRef idx="0">
+              <a:schemeClr val="accent1"/>
+            </a:fillRef>
+            <a:effectRef idx="0">
+              <a:schemeClr val="accent1"/>
+            </a:effectRef>
+            <a:fontRef idx="minor">
+              <a:schemeClr val="tx1"/>
+            </a:fontRef>
+          </p:style>
+        </p:cxnSp>
+        <p:cxnSp>
+          <p:nvCxnSpPr>
+            <p:cNvPr id="17" name="肘形连接符 16"/>
+            <p:cNvCxnSpPr/>
+            <p:nvPr/>
+          </p:nvCxnSpPr>
+          <p:spPr>
+            <a:xfrm>
+              <a:off x="3886200" y="457200"/>
+              <a:ext cx="1295400" cy="533400"/>
+            </a:xfrm>
+            <a:prstGeom prst="bentConnector3">
+              <a:avLst>
+                <a:gd name="adj1" fmla="val 43277"/>
+              </a:avLst>
+            </a:prstGeom>
+            <a:ln w="19050">
+              <a:solidFill>
+                <a:schemeClr val="tx2">
+                  <a:lumMod val="60000"/>
+                  <a:lumOff val="40000"/>
+                </a:schemeClr>
+              </a:solidFill>
+              <a:headEnd type="oval" w="med" len="med"/>
+              <a:tailEnd type="oval" w="med" len="med"/>
+            </a:ln>
+          </p:spPr>
+          <p:style>
+            <a:lnRef idx="1">
+              <a:schemeClr val="accent1"/>
+            </a:lnRef>
+            <a:fillRef idx="0">
+              <a:schemeClr val="accent1"/>
+            </a:fillRef>
+            <a:effectRef idx="0">
+              <a:schemeClr val="accent1"/>
+            </a:effectRef>
+            <a:fontRef idx="minor">
+              <a:schemeClr val="tx1"/>
+            </a:fontRef>
+          </p:style>
+        </p:cxnSp>
+        <p:cxnSp>
+          <p:nvCxnSpPr>
+            <p:cNvPr id="19" name="肘形连接符 18"/>
+            <p:cNvCxnSpPr/>
+            <p:nvPr/>
+          </p:nvCxnSpPr>
+          <p:spPr>
+            <a:xfrm>
+              <a:off x="3886200" y="685800"/>
+              <a:ext cx="1295400" cy="685800"/>
+            </a:xfrm>
+            <a:prstGeom prst="bentConnector3">
+              <a:avLst>
+                <a:gd name="adj1" fmla="val 34313"/>
+              </a:avLst>
+            </a:prstGeom>
+            <a:ln w="19050">
+              <a:solidFill>
+                <a:schemeClr val="tx2">
+                  <a:lumMod val="60000"/>
+                  <a:lumOff val="40000"/>
+                </a:schemeClr>
+              </a:solidFill>
+              <a:headEnd type="oval" w="med" len="med"/>
+              <a:tailEnd type="oval" w="med" len="med"/>
+            </a:ln>
+          </p:spPr>
+          <p:style>
+            <a:lnRef idx="1">
+              <a:schemeClr val="accent1"/>
+            </a:lnRef>
+            <a:fillRef idx="0">
+              <a:schemeClr val="accent1"/>
+            </a:fillRef>
+            <a:effectRef idx="0">
+              <a:schemeClr val="accent1"/>
+            </a:effectRef>
+            <a:fontRef idx="minor">
+              <a:schemeClr val="tx1"/>
+            </a:fontRef>
+          </p:style>
+        </p:cxnSp>
+        <p:cxnSp>
+          <p:nvCxnSpPr>
+            <p:cNvPr id="24" name="肘形连接符 23"/>
+            <p:cNvCxnSpPr/>
+            <p:nvPr/>
+          </p:nvCxnSpPr>
+          <p:spPr>
+            <a:xfrm>
+              <a:off x="3886200" y="912586"/>
+              <a:ext cx="1295400" cy="992414"/>
+            </a:xfrm>
+            <a:prstGeom prst="bentConnector3">
+              <a:avLst>
+                <a:gd name="adj1" fmla="val 21980"/>
+              </a:avLst>
+            </a:prstGeom>
+            <a:ln w="19050">
+              <a:solidFill>
+                <a:schemeClr val="tx2">
+                  <a:lumMod val="60000"/>
+                  <a:lumOff val="40000"/>
+                </a:schemeClr>
+              </a:solidFill>
+              <a:headEnd type="oval" w="med" len="med"/>
+              <a:tailEnd type="oval" w="med" len="med"/>
+            </a:ln>
+          </p:spPr>
+          <p:style>
+            <a:lnRef idx="1">
+              <a:schemeClr val="accent1"/>
+            </a:lnRef>
+            <a:fillRef idx="0">
+              <a:schemeClr val="accent1"/>
+            </a:fillRef>
+            <a:effectRef idx="0">
+              <a:schemeClr val="accent1"/>
+            </a:effectRef>
+            <a:fontRef idx="minor">
+              <a:schemeClr val="tx1"/>
+            </a:fontRef>
+          </p:style>
+        </p:cxnSp>
+        <p:cxnSp>
+          <p:nvCxnSpPr>
+            <p:cNvPr id="32" name="肘形连接符 31"/>
+            <p:cNvCxnSpPr/>
+            <p:nvPr/>
+          </p:nvCxnSpPr>
+          <p:spPr>
+            <a:xfrm rot="10800000" flipV="1">
+              <a:off x="5181600" y="2133600"/>
+              <a:ext cx="2590800" cy="228600"/>
+            </a:xfrm>
+            <a:prstGeom prst="bentConnector3">
+              <a:avLst>
+                <a:gd name="adj1" fmla="val 105770"/>
+              </a:avLst>
+            </a:prstGeom>
+            <a:ln w="19050">
+              <a:solidFill>
+                <a:schemeClr val="tx2">
+                  <a:lumMod val="60000"/>
+                  <a:lumOff val="40000"/>
+                </a:schemeClr>
+              </a:solidFill>
+              <a:headEnd type="oval" w="med" len="med"/>
+              <a:tailEnd type="oval" w="med" len="med"/>
+            </a:ln>
+          </p:spPr>
+          <p:style>
+            <a:lnRef idx="1">
+              <a:schemeClr val="accent1"/>
+            </a:lnRef>
+            <a:fillRef idx="0">
+              <a:schemeClr val="accent1"/>
+            </a:fillRef>
+            <a:effectRef idx="0">
+              <a:schemeClr val="accent1"/>
+            </a:effectRef>
+            <a:fontRef idx="minor">
+              <a:schemeClr val="tx1"/>
+            </a:fontRef>
+          </p:style>
+        </p:cxnSp>
+      </p:grpSp>
+      <p:grpSp>
+        <p:nvGrpSpPr>
+          <p:cNvPr id="34" name="组合 33"/>
+          <p:cNvGrpSpPr/>
+          <p:nvPr/>
+        </p:nvGrpSpPr>
+        <p:grpSpPr>
+          <a:xfrm>
+            <a:off x="371475" y="5972175"/>
+            <a:ext cx="9096375" cy="6858000"/>
+            <a:chOff x="371475" y="5972175"/>
+            <a:chExt cx="9096375" cy="6858000"/>
+          </a:xfrm>
+        </p:grpSpPr>
+        <p:pic>
+          <p:nvPicPr>
+            <p:cNvPr id="6146" name="Picture 2" descr="Z:\Pictures\com.tencent.ScreenCapture\screencap\9.png"/>
+            <p:cNvPicPr>
+              <a:picLocks noChangeAspect="1" noChangeArrowheads="1"/>
+            </p:cNvPicPr>
+            <p:nvPr/>
+          </p:nvPicPr>
+          <p:blipFill>
+            <a:blip r:embed="rId4">
+              <a:extLst>
+                <a:ext uri="{28A0092B-C50C-407E-A947-70E740481C1C}">
+                  <a14:useLocalDpi xmlns:a14="http://schemas.microsoft.com/office/drawing/2010/main" val="0"/>
+                </a:ext>
+              </a:extLst>
+            </a:blip>
+            <a:srcRect/>
+            <a:stretch>
+              <a:fillRect/>
+            </a:stretch>
+          </p:blipFill>
+          <p:spPr bwMode="auto">
+            <a:xfrm>
+              <a:off x="371475" y="5972175"/>
+              <a:ext cx="4286250" cy="6858000"/>
+            </a:xfrm>
+            <a:prstGeom prst="rect">
+              <a:avLst/>
+            </a:prstGeom>
+            <a:noFill/>
+            <a:extLst>
+              <a:ext uri="{909E8E84-426E-40DD-AFC4-6F175D3DCCD1}">
+                <a14:hiddenFill xmlns:a14="http://schemas.microsoft.com/office/drawing/2010/main">
+                  <a:solidFill>
+                    <a:srgbClr val="FFFFFF"/>
+                  </a:solidFill>
+                </a14:hiddenFill>
+              </a:ext>
+            </a:extLst>
+          </p:spPr>
+        </p:pic>
+        <p:pic>
+          <p:nvPicPr>
+            <p:cNvPr id="12" name="Picture 3" descr="Z:\Pictures\com.tencent.ScreenCapture\screencap\3.png"/>
+            <p:cNvPicPr>
+              <a:picLocks noChangeAspect="1" noChangeArrowheads="1"/>
+            </p:cNvPicPr>
+            <p:nvPr/>
+          </p:nvPicPr>
+          <p:blipFill>
+            <a:blip r:embed="rId2">
+              <a:extLst>
+                <a:ext uri="{28A0092B-C50C-407E-A947-70E740481C1C}">
+                  <a14:useLocalDpi xmlns:a14="http://schemas.microsoft.com/office/drawing/2010/main" val="0"/>
+                </a:ext>
+              </a:extLst>
+            </a:blip>
+            <a:srcRect/>
+            <a:stretch>
+              <a:fillRect/>
+            </a:stretch>
+          </p:blipFill>
+          <p:spPr bwMode="auto">
+            <a:xfrm>
+              <a:off x="5181600" y="5972175"/>
+              <a:ext cx="4286250" cy="6858000"/>
+            </a:xfrm>
+            <a:prstGeom prst="rect">
+              <a:avLst/>
+            </a:prstGeom>
+            <a:noFill/>
+            <a:extLst>
+              <a:ext uri="{909E8E84-426E-40DD-AFC4-6F175D3DCCD1}">
+                <a14:hiddenFill xmlns:a14="http://schemas.microsoft.com/office/drawing/2010/main">
+                  <a:solidFill>
+                    <a:srgbClr val="FFFFFF"/>
+                  </a:solidFill>
+                </a14:hiddenFill>
+              </a:ext>
+            </a:extLst>
+          </p:spPr>
+        </p:pic>
+        <p:pic>
+          <p:nvPicPr>
+            <p:cNvPr id="11" name="Picture 7" descr="C:\Users\tagwang\Desktop\drawable-hdpi\arrow_dashed.png"/>
+            <p:cNvPicPr>
+              <a:picLocks noChangeAspect="1" noChangeArrowheads="1"/>
+            </p:cNvPicPr>
+            <p:nvPr/>
+          </p:nvPicPr>
+          <p:blipFill>
+            <a:blip r:embed="rId5">
+              <a:extLst>
+                <a:ext uri="{28A0092B-C50C-407E-A947-70E740481C1C}">
+                  <a14:useLocalDpi xmlns:a14="http://schemas.microsoft.com/office/drawing/2010/main" val="0"/>
+                </a:ext>
+              </a:extLst>
+            </a:blip>
+            <a:srcRect/>
+            <a:stretch>
+              <a:fillRect/>
+            </a:stretch>
+          </p:blipFill>
+          <p:spPr bwMode="auto">
+            <a:xfrm rot="5400000">
+              <a:off x="3733193" y="7881938"/>
+              <a:ext cx="1962150" cy="3038475"/>
+            </a:xfrm>
+            <a:prstGeom prst="rect">
+              <a:avLst/>
+            </a:prstGeom>
+            <a:noFill/>
+            <a:extLst>
+              <a:ext uri="{909E8E84-426E-40DD-AFC4-6F175D3DCCD1}">
+                <a14:hiddenFill xmlns:a14="http://schemas.microsoft.com/office/drawing/2010/main">
+                  <a:solidFill>
+                    <a:srgbClr val="FFFFFF"/>
+                  </a:solidFill>
+                </a14:hiddenFill>
+              </a:ext>
+            </a:extLst>
+          </p:spPr>
+        </p:pic>
+        <p:pic>
+          <p:nvPicPr>
+            <p:cNvPr id="38" name="Picture 7" descr="C:\Users\tagwang\Desktop\drawable-hdpi\arrow_dashed.png"/>
+            <p:cNvPicPr>
+              <a:picLocks noChangeAspect="1" noChangeArrowheads="1"/>
+            </p:cNvPicPr>
+            <p:nvPr/>
+          </p:nvPicPr>
+          <p:blipFill>
+            <a:blip r:embed="rId5">
+              <a:extLst>
+                <a:ext uri="{28A0092B-C50C-407E-A947-70E740481C1C}">
+                  <a14:useLocalDpi xmlns:a14="http://schemas.microsoft.com/office/drawing/2010/main" val="0"/>
+                </a:ext>
+              </a:extLst>
+            </a:blip>
+            <a:srcRect/>
+            <a:stretch>
+              <a:fillRect/>
+            </a:stretch>
+          </p:blipFill>
+          <p:spPr bwMode="auto">
+            <a:xfrm rot="10800000">
+              <a:off x="2057400" y="6629400"/>
+              <a:ext cx="914400" cy="1415988"/>
+            </a:xfrm>
+            <a:prstGeom prst="rect">
+              <a:avLst/>
+            </a:prstGeom>
+            <a:noFill/>
+            <a:extLst>
+              <a:ext uri="{909E8E84-426E-40DD-AFC4-6F175D3DCCD1}">
+                <a14:hiddenFill xmlns:a14="http://schemas.microsoft.com/office/drawing/2010/main">
+                  <a:solidFill>
+                    <a:srgbClr val="FFFFFF"/>
+                  </a:solidFill>
+                </a14:hiddenFill>
+              </a:ext>
+            </a:extLst>
+          </p:spPr>
+        </p:pic>
+        <p:pic>
+          <p:nvPicPr>
+            <p:cNvPr id="39" name="Picture 7" descr="C:\Users\tagwang\Desktop\drawable-hdpi\arrow_dashed.png"/>
+            <p:cNvPicPr>
+              <a:picLocks noChangeAspect="1" noChangeArrowheads="1"/>
+            </p:cNvPicPr>
+            <p:nvPr/>
+          </p:nvPicPr>
+          <p:blipFill>
+            <a:blip r:embed="rId5">
+              <a:extLst>
+                <a:ext uri="{28A0092B-C50C-407E-A947-70E740481C1C}">
+                  <a14:useLocalDpi xmlns:a14="http://schemas.microsoft.com/office/drawing/2010/main" val="0"/>
+                </a:ext>
+              </a:extLst>
+            </a:blip>
+            <a:srcRect/>
+            <a:stretch>
+              <a:fillRect/>
+            </a:stretch>
+          </p:blipFill>
+          <p:spPr bwMode="auto">
+            <a:xfrm>
+              <a:off x="2057400" y="10744200"/>
+              <a:ext cx="914400" cy="1415989"/>
+            </a:xfrm>
+            <a:prstGeom prst="rect">
+              <a:avLst/>
+            </a:prstGeom>
+            <a:noFill/>
+            <a:extLst>
+              <a:ext uri="{909E8E84-426E-40DD-AFC4-6F175D3DCCD1}">
+                <a14:hiddenFill xmlns:a14="http://schemas.microsoft.com/office/drawing/2010/main">
+                  <a:solidFill>
+                    <a:srgbClr val="FFFFFF"/>
+                  </a:solidFill>
+                </a14:hiddenFill>
+              </a:ext>
+            </a:extLst>
+          </p:spPr>
+        </p:pic>
+      </p:grpSp>
+      <p:grpSp>
+        <p:nvGrpSpPr>
+          <p:cNvPr id="49" name="组合 48"/>
+          <p:cNvGrpSpPr/>
+          <p:nvPr/>
+        </p:nvGrpSpPr>
+        <p:grpSpPr>
+          <a:xfrm>
+            <a:off x="371475" y="13335000"/>
+            <a:ext cx="9096375" cy="6858000"/>
+            <a:chOff x="371475" y="13335000"/>
+            <a:chExt cx="9096375" cy="6858000"/>
+          </a:xfrm>
+        </p:grpSpPr>
+        <p:pic>
+          <p:nvPicPr>
+            <p:cNvPr id="6149" name="Picture 5" descr="Z:\Pictures\com.tencent.ScreenCapture\screencap\4.png"/>
+            <p:cNvPicPr>
+              <a:picLocks noChangeAspect="1" noChangeArrowheads="1"/>
+            </p:cNvPicPr>
+            <p:nvPr/>
+          </p:nvPicPr>
+          <p:blipFill>
+            <a:blip r:embed="rId6">
+              <a:extLst>
+                <a:ext uri="{28A0092B-C50C-407E-A947-70E740481C1C}">
+                  <a14:useLocalDpi xmlns:a14="http://schemas.microsoft.com/office/drawing/2010/main" val="0"/>
+                </a:ext>
+              </a:extLst>
+            </a:blip>
+            <a:srcRect/>
+            <a:stretch>
+              <a:fillRect/>
+            </a:stretch>
+          </p:blipFill>
+          <p:spPr bwMode="auto">
+            <a:xfrm>
+              <a:off x="5181600" y="13335000"/>
+              <a:ext cx="4286250" cy="6858000"/>
+            </a:xfrm>
+            <a:prstGeom prst="rect">
+              <a:avLst/>
+            </a:prstGeom>
+            <a:noFill/>
+            <a:extLst>
+              <a:ext uri="{909E8E84-426E-40DD-AFC4-6F175D3DCCD1}">
+                <a14:hiddenFill xmlns:a14="http://schemas.microsoft.com/office/drawing/2010/main">
+                  <a:solidFill>
+                    <a:srgbClr val="FFFFFF"/>
+                  </a:solidFill>
+                </a14:hiddenFill>
+              </a:ext>
+            </a:extLst>
+          </p:spPr>
+        </p:pic>
+        <p:pic>
+          <p:nvPicPr>
+            <p:cNvPr id="9" name="Picture 2" descr="Z:\Pictures\com.tencent.ScreenCapture\screencap\9.png"/>
+            <p:cNvPicPr>
+              <a:picLocks noChangeAspect="1" noChangeArrowheads="1"/>
+            </p:cNvPicPr>
+            <p:nvPr/>
+          </p:nvPicPr>
+          <p:blipFill>
+            <a:blip r:embed="rId4">
+              <a:extLst>
+                <a:ext uri="{28A0092B-C50C-407E-A947-70E740481C1C}">
+                  <a14:useLocalDpi xmlns:a14="http://schemas.microsoft.com/office/drawing/2010/main" val="0"/>
+                </a:ext>
+              </a:extLst>
+            </a:blip>
+            <a:srcRect/>
+            <a:stretch>
+              <a:fillRect/>
+            </a:stretch>
+          </p:blipFill>
+          <p:spPr bwMode="auto">
+            <a:xfrm>
+              <a:off x="371475" y="13335000"/>
+              <a:ext cx="4286250" cy="6858000"/>
+            </a:xfrm>
+            <a:prstGeom prst="rect">
+              <a:avLst/>
+            </a:prstGeom>
+            <a:noFill/>
+            <a:extLst>
+              <a:ext uri="{909E8E84-426E-40DD-AFC4-6F175D3DCCD1}">
+                <a14:hiddenFill xmlns:a14="http://schemas.microsoft.com/office/drawing/2010/main">
+                  <a:solidFill>
+                    <a:srgbClr val="FFFFFF"/>
+                  </a:solidFill>
+                </a14:hiddenFill>
+              </a:ext>
+            </a:extLst>
+          </p:spPr>
+        </p:pic>
+        <p:grpSp>
+          <p:nvGrpSpPr>
+            <p:cNvPr id="35" name="组合 34"/>
+            <p:cNvGrpSpPr/>
+            <p:nvPr/>
+          </p:nvGrpSpPr>
+          <p:grpSpPr>
+            <a:xfrm rot="5400000">
+              <a:off x="6881798" y="14962204"/>
+              <a:ext cx="914400" cy="3603592"/>
+              <a:chOff x="2209800" y="8708997"/>
+              <a:chExt cx="914400" cy="3603592"/>
+            </a:xfrm>
+          </p:grpSpPr>
+          <p:pic>
+            <p:nvPicPr>
+              <p:cNvPr id="41" name="Picture 7" descr="C:\Users\tagwang\Desktop\drawable-hdpi\arrow_dashed.png"/>
+              <p:cNvPicPr>
+                <a:picLocks noChangeAspect="1" noChangeArrowheads="1"/>
+              </p:cNvPicPr>
+              <p:nvPr/>
+            </p:nvPicPr>
+            <p:blipFill>
+              <a:blip r:embed="rId5">
+                <a:extLst>
+                  <a:ext uri="{28A0092B-C50C-407E-A947-70E740481C1C}">
+                    <a14:useLocalDpi xmlns:a14="http://schemas.microsoft.com/office/drawing/2010/main" val="0"/>
+                  </a:ext>
+                </a:extLst>
+              </a:blip>
+              <a:srcRect/>
+              <a:stretch>
+                <a:fillRect/>
+              </a:stretch>
+            </p:blipFill>
+            <p:spPr bwMode="auto">
+              <a:xfrm rot="10800000">
+                <a:off x="2209800" y="8708997"/>
+                <a:ext cx="914400" cy="1415988"/>
+              </a:xfrm>
+              <a:prstGeom prst="rect">
+                <a:avLst/>
+              </a:prstGeom>
+              <a:noFill/>
+              <a:extLst>
+                <a:ext uri="{909E8E84-426E-40DD-AFC4-6F175D3DCCD1}">
+                  <a14:hiddenFill xmlns:a14="http://schemas.microsoft.com/office/drawing/2010/main">
+                    <a:solidFill>
+                      <a:srgbClr val="FFFFFF"/>
+                    </a:solidFill>
+                  </a14:hiddenFill>
+                </a:ext>
+              </a:extLst>
+            </p:spPr>
+          </p:pic>
+          <p:pic>
+            <p:nvPicPr>
+              <p:cNvPr id="42" name="Picture 7" descr="C:\Users\tagwang\Desktop\drawable-hdpi\arrow_dashed.png"/>
+              <p:cNvPicPr>
+                <a:picLocks noChangeAspect="1" noChangeArrowheads="1"/>
+              </p:cNvPicPr>
+              <p:nvPr/>
+            </p:nvPicPr>
+            <p:blipFill>
+              <a:blip r:embed="rId5">
+                <a:extLst>
+                  <a:ext uri="{28A0092B-C50C-407E-A947-70E740481C1C}">
+                    <a14:useLocalDpi xmlns:a14="http://schemas.microsoft.com/office/drawing/2010/main" val="0"/>
+                  </a:ext>
+                </a:extLst>
+              </a:blip>
+              <a:srcRect/>
+              <a:stretch>
+                <a:fillRect/>
+              </a:stretch>
+            </p:blipFill>
+            <p:spPr bwMode="auto">
+              <a:xfrm>
+                <a:off x="2209800" y="10896600"/>
+                <a:ext cx="914400" cy="1415989"/>
+              </a:xfrm>
+              <a:prstGeom prst="rect">
+                <a:avLst/>
+              </a:prstGeom>
+              <a:noFill/>
+              <a:extLst>
+                <a:ext uri="{909E8E84-426E-40DD-AFC4-6F175D3DCCD1}">
+                  <a14:hiddenFill xmlns:a14="http://schemas.microsoft.com/office/drawing/2010/main">
+                    <a:solidFill>
+                      <a:srgbClr val="FFFFFF"/>
+                    </a:solidFill>
+                  </a14:hiddenFill>
+                </a:ext>
+              </a:extLst>
+            </p:spPr>
+          </p:pic>
+        </p:grpSp>
+        <p:cxnSp>
+          <p:nvCxnSpPr>
+            <p:cNvPr id="46" name="肘形连接符 45"/>
+            <p:cNvCxnSpPr/>
+            <p:nvPr/>
+          </p:nvCxnSpPr>
+          <p:spPr>
+            <a:xfrm flipV="1">
+              <a:off x="857250" y="14097000"/>
+              <a:ext cx="4400550" cy="381000"/>
+            </a:xfrm>
+            <a:prstGeom prst="bentConnector3">
+              <a:avLst>
+                <a:gd name="adj1" fmla="val 49133"/>
+              </a:avLst>
+            </a:prstGeom>
+            <a:ln w="19050">
+              <a:solidFill>
+                <a:schemeClr val="tx2">
+                  <a:lumMod val="60000"/>
+                  <a:lumOff val="40000"/>
+                </a:schemeClr>
+              </a:solidFill>
+              <a:headEnd type="oval" w="med" len="med"/>
+              <a:tailEnd type="oval" w="med" len="med"/>
+            </a:ln>
+          </p:spPr>
+          <p:style>
+            <a:lnRef idx="1">
+              <a:schemeClr val="accent1"/>
+            </a:lnRef>
+            <a:fillRef idx="0">
+              <a:schemeClr val="accent1"/>
+            </a:fillRef>
+            <a:effectRef idx="0">
+              <a:schemeClr val="accent1"/>
+            </a:effectRef>
+            <a:fontRef idx="minor">
+              <a:schemeClr val="tx1"/>
+            </a:fontRef>
+          </p:style>
+        </p:cxnSp>
+      </p:grpSp>
+    </p:spTree>
+    <p:extLst>
+      <p:ext uri="{BB962C8B-B14F-4D97-AF65-F5344CB8AC3E}">
+        <p14:creationId xmlns:p14="http://schemas.microsoft.com/office/powerpoint/2010/main" val="3805622022"/>
+      </p:ext>
+    </p:extLst>
+  </p:cSld>
+  <p:clrMapOvr>
+    <a:masterClrMapping/>
+  </p:clrMapOvr>
+  <p:timing>
+    <p:tnLst>
+      <p:par>
+        <p:cTn id="1" dur="indefinite" restart="never" nodeType="tmRoot"/>
+      </p:par>
+    </p:tnLst>
+  </p:timing>
 </p:sld>
 </file>
 
@@ -19309,6 +21242,1559 @@
 </p:sld>
 </file>
 
+<file path=ppt/slides/slide7.xml><?xml version="1.0" encoding="utf-8"?>
+<p:sld xmlns:a="http://schemas.openxmlformats.org/drawingml/2006/main" xmlns:r="http://schemas.openxmlformats.org/officeDocument/2006/relationships" xmlns:p="http://schemas.openxmlformats.org/presentationml/2006/main">
+  <p:cSld>
+    <p:spTree>
+      <p:nvGrpSpPr>
+        <p:cNvPr id="1" name=""/>
+        <p:cNvGrpSpPr/>
+        <p:nvPr/>
+      </p:nvGrpSpPr>
+      <p:grpSpPr>
+        <a:xfrm>
+          <a:off x="0" y="0"/>
+          <a:ext cx="0" cy="0"/>
+          <a:chOff x="0" y="0"/>
+          <a:chExt cx="0" cy="0"/>
+        </a:xfrm>
+      </p:grpSpPr>
+      <p:grpSp>
+        <p:nvGrpSpPr>
+          <p:cNvPr id="1038" name="组合 1037"/>
+          <p:cNvGrpSpPr/>
+          <p:nvPr/>
+        </p:nvGrpSpPr>
+        <p:grpSpPr>
+          <a:xfrm>
+            <a:off x="570345" y="-867953"/>
+            <a:ext cx="8760691" cy="13445525"/>
+            <a:chOff x="570345" y="-867953"/>
+            <a:chExt cx="8760691" cy="13445525"/>
+          </a:xfrm>
+        </p:grpSpPr>
+        <p:grpSp>
+          <p:nvGrpSpPr>
+            <p:cNvPr id="19" name="组合 18"/>
+            <p:cNvGrpSpPr/>
+            <p:nvPr/>
+          </p:nvGrpSpPr>
+          <p:grpSpPr>
+            <a:xfrm>
+              <a:off x="570345" y="-867953"/>
+              <a:ext cx="4114800" cy="6648994"/>
+              <a:chOff x="-4419600" y="25399"/>
+              <a:chExt cx="4114800" cy="6648994"/>
+            </a:xfrm>
+          </p:grpSpPr>
+          <p:pic>
+            <p:nvPicPr>
+              <p:cNvPr id="1026" name="Picture 2" descr="Z:\Pictures\com.tencent.ScreenCapture\screencap\0.png"/>
+              <p:cNvPicPr>
+                <a:picLocks noChangeAspect="1" noChangeArrowheads="1"/>
+              </p:cNvPicPr>
+              <p:nvPr/>
+            </p:nvPicPr>
+            <p:blipFill>
+              <a:blip r:embed="rId2">
+                <a:extLst>
+                  <a:ext uri="{28A0092B-C50C-407E-A947-70E740481C1C}">
+                    <a14:useLocalDpi xmlns:a14="http://schemas.microsoft.com/office/drawing/2010/main" val="0"/>
+                  </a:ext>
+                </a:extLst>
+              </a:blip>
+              <a:srcRect/>
+              <a:stretch>
+                <a:fillRect/>
+              </a:stretch>
+            </p:blipFill>
+            <p:spPr bwMode="auto">
+              <a:xfrm>
+                <a:off x="-4419600" y="90713"/>
+                <a:ext cx="4114800" cy="6583680"/>
+              </a:xfrm>
+              <a:prstGeom prst="rect">
+                <a:avLst/>
+              </a:prstGeom>
+              <a:noFill/>
+              <a:extLst>
+                <a:ext uri="{909E8E84-426E-40DD-AFC4-6F175D3DCCD1}">
+                  <a14:hiddenFill xmlns:a14="http://schemas.microsoft.com/office/drawing/2010/main">
+                    <a:solidFill>
+                      <a:srgbClr val="FFFFFF"/>
+                    </a:solidFill>
+                  </a14:hiddenFill>
+                </a:ext>
+              </a:extLst>
+            </p:spPr>
+          </p:pic>
+          <p:sp>
+            <p:nvSpPr>
+              <p:cNvPr id="18" name="圆角矩形标注 17"/>
+              <p:cNvSpPr/>
+              <p:nvPr/>
+            </p:nvSpPr>
+            <p:spPr>
+              <a:xfrm flipH="1">
+                <a:off x="-965200" y="25399"/>
+                <a:ext cx="457200" cy="283464"/>
+              </a:xfrm>
+              <a:prstGeom prst="wedgeRoundRectCallout">
+                <a:avLst>
+                  <a:gd name="adj1" fmla="val 39484"/>
+                  <a:gd name="adj2" fmla="val 98037"/>
+                  <a:gd name="adj3" fmla="val 16667"/>
+                </a:avLst>
+              </a:prstGeom>
+              <a:solidFill>
+                <a:schemeClr val="accent1"/>
+              </a:solidFill>
+              <a:ln>
+                <a:noFill/>
+              </a:ln>
+              <a:effectLst>
+                <a:outerShdw blurRad="50800" dist="38100" dir="5400000" algn="t" rotWithShape="0">
+                  <a:prstClr val="black">
+                    <a:alpha val="40000"/>
+                  </a:prstClr>
+                </a:outerShdw>
+              </a:effectLst>
+            </p:spPr>
+            <p:style>
+              <a:lnRef idx="2">
+                <a:schemeClr val="accent1">
+                  <a:shade val="50000"/>
+                </a:schemeClr>
+              </a:lnRef>
+              <a:fillRef idx="1">
+                <a:schemeClr val="accent1"/>
+              </a:fillRef>
+              <a:effectRef idx="0">
+                <a:schemeClr val="accent1"/>
+              </a:effectRef>
+              <a:fontRef idx="minor">
+                <a:schemeClr val="lt1"/>
+              </a:fontRef>
+            </p:style>
+            <p:txBody>
+              <a:bodyPr rtlCol="0" anchor="ctr"/>
+              <a:lstStyle/>
+              <a:p>
+                <a:pPr algn="ctr"/>
+                <a:r>
+                  <a:rPr lang="en-US" altLang="zh-CN" dirty="0" smtClean="0">
+                    <a:latin typeface="Times New Roman" panose="02020603050405020304" pitchFamily="18" charset="0"/>
+                    <a:cs typeface="Times New Roman" panose="02020603050405020304" pitchFamily="18" charset="0"/>
+                  </a:rPr>
+                  <a:t>1</a:t>
+                </a:r>
+                <a:endParaRPr lang="zh-CN" altLang="en-US" dirty="0">
+                  <a:latin typeface="Times New Roman" panose="02020603050405020304" pitchFamily="18" charset="0"/>
+                  <a:cs typeface="Times New Roman" panose="02020603050405020304" pitchFamily="18" charset="0"/>
+                </a:endParaRPr>
+              </a:p>
+            </p:txBody>
+          </p:sp>
+        </p:grpSp>
+        <p:grpSp>
+          <p:nvGrpSpPr>
+            <p:cNvPr id="21" name="组合 20"/>
+            <p:cNvGrpSpPr/>
+            <p:nvPr/>
+          </p:nvGrpSpPr>
+          <p:grpSpPr>
+            <a:xfrm>
+              <a:off x="5216236" y="-867953"/>
+              <a:ext cx="4114800" cy="6648994"/>
+              <a:chOff x="889000" y="25399"/>
+              <a:chExt cx="4114800" cy="6648994"/>
+            </a:xfrm>
+          </p:grpSpPr>
+          <p:pic>
+            <p:nvPicPr>
+              <p:cNvPr id="1027" name="Picture 3" descr="Z:\Pictures\com.tencent.ScreenCapture\screencap\1.png"/>
+              <p:cNvPicPr>
+                <a:picLocks noChangeAspect="1" noChangeArrowheads="1"/>
+              </p:cNvPicPr>
+              <p:nvPr/>
+            </p:nvPicPr>
+            <p:blipFill>
+              <a:blip r:embed="rId3">
+                <a:extLst>
+                  <a:ext uri="{28A0092B-C50C-407E-A947-70E740481C1C}">
+                    <a14:useLocalDpi xmlns:a14="http://schemas.microsoft.com/office/drawing/2010/main" val="0"/>
+                  </a:ext>
+                </a:extLst>
+              </a:blip>
+              <a:srcRect/>
+              <a:stretch>
+                <a:fillRect/>
+              </a:stretch>
+            </p:blipFill>
+            <p:spPr bwMode="auto">
+              <a:xfrm>
+                <a:off x="889000" y="90712"/>
+                <a:ext cx="4114800" cy="6583681"/>
+              </a:xfrm>
+              <a:prstGeom prst="rect">
+                <a:avLst/>
+              </a:prstGeom>
+              <a:noFill/>
+              <a:extLst>
+                <a:ext uri="{909E8E84-426E-40DD-AFC4-6F175D3DCCD1}">
+                  <a14:hiddenFill xmlns:a14="http://schemas.microsoft.com/office/drawing/2010/main">
+                    <a:solidFill>
+                      <a:srgbClr val="FFFFFF"/>
+                    </a:solidFill>
+                  </a14:hiddenFill>
+                </a:ext>
+              </a:extLst>
+            </p:spPr>
+          </p:pic>
+          <p:sp>
+            <p:nvSpPr>
+              <p:cNvPr id="25" name="圆角矩形标注 24"/>
+              <p:cNvSpPr/>
+              <p:nvPr/>
+            </p:nvSpPr>
+            <p:spPr>
+              <a:xfrm flipH="1">
+                <a:off x="1143000" y="25399"/>
+                <a:ext cx="457200" cy="283464"/>
+              </a:xfrm>
+              <a:prstGeom prst="wedgeRoundRectCallout">
+                <a:avLst>
+                  <a:gd name="adj1" fmla="val 39484"/>
+                  <a:gd name="adj2" fmla="val 98037"/>
+                  <a:gd name="adj3" fmla="val 16667"/>
+                </a:avLst>
+              </a:prstGeom>
+              <a:solidFill>
+                <a:schemeClr val="accent1"/>
+              </a:solidFill>
+              <a:ln>
+                <a:noFill/>
+              </a:ln>
+              <a:effectLst>
+                <a:outerShdw blurRad="50800" dist="38100" dir="5400000" algn="t" rotWithShape="0">
+                  <a:prstClr val="black">
+                    <a:alpha val="40000"/>
+                  </a:prstClr>
+                </a:outerShdw>
+              </a:effectLst>
+            </p:spPr>
+            <p:style>
+              <a:lnRef idx="2">
+                <a:schemeClr val="accent1">
+                  <a:shade val="50000"/>
+                </a:schemeClr>
+              </a:lnRef>
+              <a:fillRef idx="1">
+                <a:schemeClr val="accent1"/>
+              </a:fillRef>
+              <a:effectRef idx="0">
+                <a:schemeClr val="accent1"/>
+              </a:effectRef>
+              <a:fontRef idx="minor">
+                <a:schemeClr val="lt1"/>
+              </a:fontRef>
+            </p:style>
+            <p:txBody>
+              <a:bodyPr rtlCol="0" anchor="ctr"/>
+              <a:lstStyle/>
+              <a:p>
+                <a:pPr algn="ctr"/>
+                <a:r>
+                  <a:rPr lang="en-US" altLang="zh-CN" dirty="0" smtClean="0">
+                    <a:latin typeface="Times New Roman" panose="02020603050405020304" pitchFamily="18" charset="0"/>
+                    <a:cs typeface="Times New Roman" panose="02020603050405020304" pitchFamily="18" charset="0"/>
+                  </a:rPr>
+                  <a:t>2</a:t>
+                </a:r>
+                <a:endParaRPr lang="zh-CN" altLang="en-US" dirty="0">
+                  <a:latin typeface="Times New Roman" panose="02020603050405020304" pitchFamily="18" charset="0"/>
+                  <a:cs typeface="Times New Roman" panose="02020603050405020304" pitchFamily="18" charset="0"/>
+                </a:endParaRPr>
+              </a:p>
+            </p:txBody>
+          </p:sp>
+        </p:grpSp>
+        <p:grpSp>
+          <p:nvGrpSpPr>
+            <p:cNvPr id="22" name="组合 21"/>
+            <p:cNvGrpSpPr/>
+            <p:nvPr/>
+          </p:nvGrpSpPr>
+          <p:grpSpPr>
+            <a:xfrm>
+              <a:off x="5216236" y="5993892"/>
+              <a:ext cx="4114800" cy="6583680"/>
+              <a:chOff x="6197600" y="90713"/>
+              <a:chExt cx="4114800" cy="6583680"/>
+            </a:xfrm>
+          </p:grpSpPr>
+          <p:pic>
+            <p:nvPicPr>
+              <p:cNvPr id="1029" name="Picture 5" descr="Z:\Pictures\com.tencent.ScreenCapture\screencap\3.png"/>
+              <p:cNvPicPr>
+                <a:picLocks noChangeAspect="1" noChangeArrowheads="1"/>
+              </p:cNvPicPr>
+              <p:nvPr/>
+            </p:nvPicPr>
+            <p:blipFill>
+              <a:blip r:embed="rId4">
+                <a:extLst>
+                  <a:ext uri="{28A0092B-C50C-407E-A947-70E740481C1C}">
+                    <a14:useLocalDpi xmlns:a14="http://schemas.microsoft.com/office/drawing/2010/main" val="0"/>
+                  </a:ext>
+                </a:extLst>
+              </a:blip>
+              <a:srcRect/>
+              <a:stretch>
+                <a:fillRect/>
+              </a:stretch>
+            </p:blipFill>
+            <p:spPr bwMode="auto">
+              <a:xfrm>
+                <a:off x="6197600" y="90713"/>
+                <a:ext cx="4114800" cy="6583680"/>
+              </a:xfrm>
+              <a:prstGeom prst="rect">
+                <a:avLst/>
+              </a:prstGeom>
+              <a:noFill/>
+              <a:extLst>
+                <a:ext uri="{909E8E84-426E-40DD-AFC4-6F175D3DCCD1}">
+                  <a14:hiddenFill xmlns:a14="http://schemas.microsoft.com/office/drawing/2010/main">
+                    <a:solidFill>
+                      <a:srgbClr val="FFFFFF"/>
+                    </a:solidFill>
+                  </a14:hiddenFill>
+                </a:ext>
+              </a:extLst>
+            </p:spPr>
+          </p:pic>
+          <p:sp>
+            <p:nvSpPr>
+              <p:cNvPr id="26" name="圆角矩形标注 25"/>
+              <p:cNvSpPr/>
+              <p:nvPr/>
+            </p:nvSpPr>
+            <p:spPr>
+              <a:xfrm flipH="1">
+                <a:off x="9144000" y="3092266"/>
+                <a:ext cx="457200" cy="283464"/>
+              </a:xfrm>
+              <a:prstGeom prst="wedgeRoundRectCallout">
+                <a:avLst>
+                  <a:gd name="adj1" fmla="val 39483"/>
+                  <a:gd name="adj2" fmla="val -81175"/>
+                  <a:gd name="adj3" fmla="val 16667"/>
+                </a:avLst>
+              </a:prstGeom>
+              <a:solidFill>
+                <a:schemeClr val="accent1"/>
+              </a:solidFill>
+              <a:ln>
+                <a:noFill/>
+              </a:ln>
+              <a:effectLst>
+                <a:outerShdw blurRad="50800" dist="38100" dir="5400000" algn="t" rotWithShape="0">
+                  <a:prstClr val="black">
+                    <a:alpha val="40000"/>
+                  </a:prstClr>
+                </a:outerShdw>
+              </a:effectLst>
+            </p:spPr>
+            <p:style>
+              <a:lnRef idx="2">
+                <a:schemeClr val="accent1">
+                  <a:shade val="50000"/>
+                </a:schemeClr>
+              </a:lnRef>
+              <a:fillRef idx="1">
+                <a:schemeClr val="accent1"/>
+              </a:fillRef>
+              <a:effectRef idx="0">
+                <a:schemeClr val="accent1"/>
+              </a:effectRef>
+              <a:fontRef idx="minor">
+                <a:schemeClr val="lt1"/>
+              </a:fontRef>
+            </p:style>
+            <p:txBody>
+              <a:bodyPr rtlCol="0" anchor="ctr"/>
+              <a:lstStyle/>
+              <a:p>
+                <a:pPr algn="ctr"/>
+                <a:r>
+                  <a:rPr lang="en-US" altLang="zh-CN" dirty="0" smtClean="0">
+                    <a:latin typeface="Times New Roman" panose="02020603050405020304" pitchFamily="18" charset="0"/>
+                    <a:cs typeface="Times New Roman" panose="02020603050405020304" pitchFamily="18" charset="0"/>
+                  </a:rPr>
+                  <a:t>3</a:t>
+                </a:r>
+                <a:endParaRPr lang="zh-CN" altLang="en-US" dirty="0">
+                  <a:latin typeface="Times New Roman" panose="02020603050405020304" pitchFamily="18" charset="0"/>
+                  <a:cs typeface="Times New Roman" panose="02020603050405020304" pitchFamily="18" charset="0"/>
+                </a:endParaRPr>
+              </a:p>
+            </p:txBody>
+          </p:sp>
+        </p:grpSp>
+        <p:grpSp>
+          <p:nvGrpSpPr>
+            <p:cNvPr id="23" name="组合 22"/>
+            <p:cNvGrpSpPr/>
+            <p:nvPr/>
+          </p:nvGrpSpPr>
+          <p:grpSpPr>
+            <a:xfrm>
+              <a:off x="570345" y="5993892"/>
+              <a:ext cx="4114800" cy="6583680"/>
+              <a:chOff x="11506200" y="90713"/>
+              <a:chExt cx="4114800" cy="6583680"/>
+            </a:xfrm>
+          </p:grpSpPr>
+          <p:pic>
+            <p:nvPicPr>
+              <p:cNvPr id="1028" name="Picture 4" descr="Z:\Pictures\com.tencent.ScreenCapture\screencap\2.png"/>
+              <p:cNvPicPr>
+                <a:picLocks noChangeAspect="1" noChangeArrowheads="1"/>
+              </p:cNvPicPr>
+              <p:nvPr/>
+            </p:nvPicPr>
+            <p:blipFill>
+              <a:blip r:embed="rId5">
+                <a:extLst>
+                  <a:ext uri="{28A0092B-C50C-407E-A947-70E740481C1C}">
+                    <a14:useLocalDpi xmlns:a14="http://schemas.microsoft.com/office/drawing/2010/main" val="0"/>
+                  </a:ext>
+                </a:extLst>
+              </a:blip>
+              <a:srcRect/>
+              <a:stretch>
+                <a:fillRect/>
+              </a:stretch>
+            </p:blipFill>
+            <p:spPr bwMode="auto">
+              <a:xfrm>
+                <a:off x="11506200" y="90713"/>
+                <a:ext cx="4114800" cy="6583680"/>
+              </a:xfrm>
+              <a:prstGeom prst="rect">
+                <a:avLst/>
+              </a:prstGeom>
+              <a:noFill/>
+              <a:extLst>
+                <a:ext uri="{909E8E84-426E-40DD-AFC4-6F175D3DCCD1}">
+                  <a14:hiddenFill xmlns:a14="http://schemas.microsoft.com/office/drawing/2010/main">
+                    <a:solidFill>
+                      <a:srgbClr val="FFFFFF"/>
+                    </a:solidFill>
+                  </a14:hiddenFill>
+                </a:ext>
+              </a:extLst>
+            </p:spPr>
+          </p:pic>
+          <p:sp>
+            <p:nvSpPr>
+              <p:cNvPr id="27" name="圆角矩形标注 26"/>
+              <p:cNvSpPr/>
+              <p:nvPr/>
+            </p:nvSpPr>
+            <p:spPr>
+              <a:xfrm flipH="1">
+                <a:off x="14859000" y="1306068"/>
+                <a:ext cx="457200" cy="283464"/>
+              </a:xfrm>
+              <a:prstGeom prst="wedgeRoundRectCallout">
+                <a:avLst>
+                  <a:gd name="adj1" fmla="val 39483"/>
+                  <a:gd name="adj2" fmla="val -81175"/>
+                  <a:gd name="adj3" fmla="val 16667"/>
+                </a:avLst>
+              </a:prstGeom>
+              <a:solidFill>
+                <a:schemeClr val="accent1"/>
+              </a:solidFill>
+              <a:ln>
+                <a:noFill/>
+              </a:ln>
+              <a:effectLst>
+                <a:outerShdw blurRad="50800" dist="38100" dir="5400000" algn="t" rotWithShape="0">
+                  <a:prstClr val="black">
+                    <a:alpha val="40000"/>
+                  </a:prstClr>
+                </a:outerShdw>
+              </a:effectLst>
+            </p:spPr>
+            <p:style>
+              <a:lnRef idx="2">
+                <a:schemeClr val="accent1">
+                  <a:shade val="50000"/>
+                </a:schemeClr>
+              </a:lnRef>
+              <a:fillRef idx="1">
+                <a:schemeClr val="accent1"/>
+              </a:fillRef>
+              <a:effectRef idx="0">
+                <a:schemeClr val="accent1"/>
+              </a:effectRef>
+              <a:fontRef idx="minor">
+                <a:schemeClr val="lt1"/>
+              </a:fontRef>
+            </p:style>
+            <p:txBody>
+              <a:bodyPr rtlCol="0" anchor="ctr"/>
+              <a:lstStyle/>
+              <a:p>
+                <a:pPr algn="ctr"/>
+                <a:r>
+                  <a:rPr lang="en-US" altLang="zh-CN" dirty="0" smtClean="0">
+                    <a:latin typeface="Times New Roman" panose="02020603050405020304" pitchFamily="18" charset="0"/>
+                    <a:cs typeface="Times New Roman" panose="02020603050405020304" pitchFamily="18" charset="0"/>
+                  </a:rPr>
+                  <a:t>4</a:t>
+                </a:r>
+                <a:endParaRPr lang="zh-CN" altLang="en-US" dirty="0">
+                  <a:latin typeface="Times New Roman" panose="02020603050405020304" pitchFamily="18" charset="0"/>
+                  <a:cs typeface="Times New Roman" panose="02020603050405020304" pitchFamily="18" charset="0"/>
+                </a:endParaRPr>
+              </a:p>
+            </p:txBody>
+          </p:sp>
+        </p:grpSp>
+        <p:cxnSp>
+          <p:nvCxnSpPr>
+            <p:cNvPr id="31" name="直接连接符 30"/>
+            <p:cNvCxnSpPr/>
+            <p:nvPr/>
+          </p:nvCxnSpPr>
+          <p:spPr>
+            <a:xfrm>
+              <a:off x="4253345" y="-457200"/>
+              <a:ext cx="1191491" cy="0"/>
+            </a:xfrm>
+            <a:prstGeom prst="line">
+              <a:avLst/>
+            </a:prstGeom>
+            <a:ln w="19050">
+              <a:solidFill>
+                <a:schemeClr val="tx2">
+                  <a:lumMod val="60000"/>
+                  <a:lumOff val="40000"/>
+                </a:schemeClr>
+              </a:solidFill>
+              <a:headEnd type="oval" w="med" len="med"/>
+              <a:tailEnd type="oval" w="med" len="med"/>
+            </a:ln>
+          </p:spPr>
+          <p:style>
+            <a:lnRef idx="1">
+              <a:schemeClr val="accent1"/>
+            </a:lnRef>
+            <a:fillRef idx="0">
+              <a:schemeClr val="accent1"/>
+            </a:fillRef>
+            <a:effectRef idx="0">
+              <a:schemeClr val="accent1"/>
+            </a:effectRef>
+            <a:fontRef idx="minor">
+              <a:schemeClr val="tx1"/>
+            </a:fontRef>
+          </p:style>
+        </p:cxnSp>
+        <p:cxnSp>
+          <p:nvCxnSpPr>
+            <p:cNvPr id="39" name="直接连接符 38"/>
+            <p:cNvCxnSpPr/>
+            <p:nvPr/>
+          </p:nvCxnSpPr>
+          <p:spPr>
+            <a:xfrm rot="16200000" flipH="1">
+              <a:off x="3279486" y="1974850"/>
+              <a:ext cx="7308854" cy="2457450"/>
+            </a:xfrm>
+            <a:prstGeom prst="bentConnector3">
+              <a:avLst>
+                <a:gd name="adj1" fmla="val 50000"/>
+              </a:avLst>
+            </a:prstGeom>
+            <a:ln w="19050">
+              <a:solidFill>
+                <a:schemeClr val="tx2">
+                  <a:lumMod val="60000"/>
+                  <a:lumOff val="40000"/>
+                </a:schemeClr>
+              </a:solidFill>
+              <a:headEnd type="oval" w="med" len="med"/>
+              <a:tailEnd type="oval" w="med" len="med"/>
+            </a:ln>
+          </p:spPr>
+          <p:style>
+            <a:lnRef idx="1">
+              <a:schemeClr val="accent1"/>
+            </a:lnRef>
+            <a:fillRef idx="0">
+              <a:schemeClr val="accent1"/>
+            </a:fillRef>
+            <a:effectRef idx="0">
+              <a:schemeClr val="accent1"/>
+            </a:effectRef>
+            <a:fontRef idx="minor">
+              <a:schemeClr val="tx1"/>
+            </a:fontRef>
+          </p:style>
+        </p:cxnSp>
+        <p:pic>
+          <p:nvPicPr>
+            <p:cNvPr id="1037" name="Picture 7" descr="C:\Users\tagwang\Desktop\drawable-hdpi\arrow_dashed.png"/>
+            <p:cNvPicPr>
+              <a:picLocks noChangeAspect="1" noChangeArrowheads="1"/>
+            </p:cNvPicPr>
+            <p:nvPr/>
+          </p:nvPicPr>
+          <p:blipFill>
+            <a:blip r:embed="rId6">
+              <a:extLst>
+                <a:ext uri="{28A0092B-C50C-407E-A947-70E740481C1C}">
+                  <a14:useLocalDpi xmlns:a14="http://schemas.microsoft.com/office/drawing/2010/main" val="0"/>
+                </a:ext>
+              </a:extLst>
+            </a:blip>
+            <a:srcRect/>
+            <a:stretch>
+              <a:fillRect/>
+            </a:stretch>
+          </p:blipFill>
+          <p:spPr bwMode="auto">
+            <a:xfrm rot="5400000">
+              <a:off x="3868014" y="6671085"/>
+              <a:ext cx="1962150" cy="3038475"/>
+            </a:xfrm>
+            <a:prstGeom prst="rect">
+              <a:avLst/>
+            </a:prstGeom>
+            <a:noFill/>
+            <a:extLst>
+              <a:ext uri="{909E8E84-426E-40DD-AFC4-6F175D3DCCD1}">
+                <a14:hiddenFill xmlns:a14="http://schemas.microsoft.com/office/drawing/2010/main">
+                  <a:solidFill>
+                    <a:srgbClr val="FFFFFF"/>
+                  </a:solidFill>
+                </a14:hiddenFill>
+              </a:ext>
+            </a:extLst>
+          </p:spPr>
+        </p:pic>
+      </p:grpSp>
+    </p:spTree>
+    <p:extLst>
+      <p:ext uri="{BB962C8B-B14F-4D97-AF65-F5344CB8AC3E}">
+        <p14:creationId xmlns:p14="http://schemas.microsoft.com/office/powerpoint/2010/main" val="1116772276"/>
+      </p:ext>
+    </p:extLst>
+  </p:cSld>
+  <p:clrMapOvr>
+    <a:masterClrMapping/>
+  </p:clrMapOvr>
+  <p:timing>
+    <p:tnLst>
+      <p:par>
+        <p:cTn id="1" dur="indefinite" restart="never" nodeType="tmRoot"/>
+      </p:par>
+    </p:tnLst>
+  </p:timing>
+</p:sld>
+</file>
+
+<file path=ppt/slides/slide8.xml><?xml version="1.0" encoding="utf-8"?>
+<p:sld xmlns:a="http://schemas.openxmlformats.org/drawingml/2006/main" xmlns:r="http://schemas.openxmlformats.org/officeDocument/2006/relationships" xmlns:p="http://schemas.openxmlformats.org/presentationml/2006/main">
+  <p:cSld>
+    <p:spTree>
+      <p:nvGrpSpPr>
+        <p:cNvPr id="1" name=""/>
+        <p:cNvGrpSpPr/>
+        <p:nvPr/>
+      </p:nvGrpSpPr>
+      <p:grpSpPr>
+        <a:xfrm>
+          <a:off x="0" y="0"/>
+          <a:ext cx="0" cy="0"/>
+          <a:chOff x="0" y="0"/>
+          <a:chExt cx="0" cy="0"/>
+        </a:xfrm>
+      </p:grpSpPr>
+      <p:grpSp>
+        <p:nvGrpSpPr>
+          <p:cNvPr id="24" name="组合 23"/>
+          <p:cNvGrpSpPr/>
+          <p:nvPr/>
+        </p:nvGrpSpPr>
+        <p:grpSpPr>
+          <a:xfrm>
+            <a:off x="357620" y="121920"/>
+            <a:ext cx="7666696" cy="6583680"/>
+            <a:chOff x="357620" y="121920"/>
+            <a:chExt cx="7666696" cy="6583680"/>
+          </a:xfrm>
+        </p:grpSpPr>
+        <p:pic>
+          <p:nvPicPr>
+            <p:cNvPr id="2051" name="Picture 3" descr="Z:\Pictures\com.tencent.ScreenCapture\screencap\7.png"/>
+            <p:cNvPicPr>
+              <a:picLocks noChangeAspect="1" noChangeArrowheads="1"/>
+            </p:cNvPicPr>
+            <p:nvPr/>
+          </p:nvPicPr>
+          <p:blipFill>
+            <a:blip r:embed="rId2">
+              <a:extLst>
+                <a:ext uri="{28A0092B-C50C-407E-A947-70E740481C1C}">
+                  <a14:useLocalDpi xmlns:a14="http://schemas.microsoft.com/office/drawing/2010/main" val="0"/>
+                </a:ext>
+              </a:extLst>
+            </a:blip>
+            <a:srcRect/>
+            <a:stretch>
+              <a:fillRect/>
+            </a:stretch>
+          </p:blipFill>
+          <p:spPr bwMode="auto">
+            <a:xfrm>
+              <a:off x="357620" y="121920"/>
+              <a:ext cx="4114800" cy="6583680"/>
+            </a:xfrm>
+            <a:prstGeom prst="rect">
+              <a:avLst/>
+            </a:prstGeom>
+            <a:noFill/>
+            <a:extLst>
+              <a:ext uri="{909E8E84-426E-40DD-AFC4-6F175D3DCCD1}">
+                <a14:hiddenFill xmlns:a14="http://schemas.microsoft.com/office/drawing/2010/main">
+                  <a:solidFill>
+                    <a:srgbClr val="FFFFFF"/>
+                  </a:solidFill>
+                </a14:hiddenFill>
+              </a:ext>
+            </a:extLst>
+          </p:spPr>
+        </p:pic>
+        <p:grpSp>
+          <p:nvGrpSpPr>
+            <p:cNvPr id="13" name="组合 12"/>
+            <p:cNvGrpSpPr/>
+            <p:nvPr/>
+          </p:nvGrpSpPr>
+          <p:grpSpPr>
+            <a:xfrm>
+              <a:off x="3733800" y="609600"/>
+              <a:ext cx="4290516" cy="1185672"/>
+              <a:chOff x="3733800" y="609600"/>
+              <a:chExt cx="4290516" cy="1185672"/>
+            </a:xfrm>
+          </p:grpSpPr>
+          <p:cxnSp>
+            <p:nvCxnSpPr>
+              <p:cNvPr id="6" name="直接连接符 5"/>
+              <p:cNvCxnSpPr/>
+              <p:nvPr/>
+            </p:nvCxnSpPr>
+            <p:spPr>
+              <a:xfrm flipV="1">
+                <a:off x="3733800" y="609600"/>
+                <a:ext cx="1143000" cy="609600"/>
+              </a:xfrm>
+              <a:prstGeom prst="line">
+                <a:avLst/>
+              </a:prstGeom>
+              <a:ln w="19050">
+                <a:solidFill>
+                  <a:schemeClr val="tx2">
+                    <a:lumMod val="40000"/>
+                    <a:lumOff val="60000"/>
+                  </a:schemeClr>
+                </a:solidFill>
+                <a:headEnd type="oval"/>
+              </a:ln>
+            </p:spPr>
+            <p:style>
+              <a:lnRef idx="1">
+                <a:schemeClr val="accent1"/>
+              </a:lnRef>
+              <a:fillRef idx="0">
+                <a:schemeClr val="accent1"/>
+              </a:fillRef>
+              <a:effectRef idx="0">
+                <a:schemeClr val="accent1"/>
+              </a:effectRef>
+              <a:fontRef idx="minor">
+                <a:schemeClr val="tx1"/>
+              </a:fontRef>
+            </p:style>
+          </p:cxnSp>
+          <p:cxnSp>
+            <p:nvCxnSpPr>
+              <p:cNvPr id="11" name="直接连接符 10"/>
+              <p:cNvCxnSpPr/>
+              <p:nvPr/>
+            </p:nvCxnSpPr>
+            <p:spPr>
+              <a:xfrm>
+                <a:off x="4876800" y="609600"/>
+                <a:ext cx="3147516" cy="0"/>
+              </a:xfrm>
+              <a:prstGeom prst="line">
+                <a:avLst/>
+              </a:prstGeom>
+              <a:ln w="19050">
+                <a:solidFill>
+                  <a:schemeClr val="tx2">
+                    <a:lumMod val="40000"/>
+                    <a:lumOff val="60000"/>
+                  </a:schemeClr>
+                </a:solidFill>
+              </a:ln>
+            </p:spPr>
+            <p:style>
+              <a:lnRef idx="1">
+                <a:schemeClr val="accent1"/>
+              </a:lnRef>
+              <a:fillRef idx="0">
+                <a:schemeClr val="accent1"/>
+              </a:fillRef>
+              <a:effectRef idx="0">
+                <a:schemeClr val="accent1"/>
+              </a:effectRef>
+              <a:fontRef idx="minor">
+                <a:schemeClr val="tx1"/>
+              </a:fontRef>
+            </p:style>
+          </p:cxnSp>
+          <p:pic>
+            <p:nvPicPr>
+              <p:cNvPr id="2052" name="Picture 4"/>
+              <p:cNvPicPr>
+                <a:picLocks noChangeAspect="1" noChangeArrowheads="1"/>
+              </p:cNvPicPr>
+              <p:nvPr/>
+            </p:nvPicPr>
+            <p:blipFill>
+              <a:blip r:embed="rId3">
+                <a:extLst>
+                  <a:ext uri="{28A0092B-C50C-407E-A947-70E740481C1C}">
+                    <a14:useLocalDpi xmlns:a14="http://schemas.microsoft.com/office/drawing/2010/main" val="0"/>
+                  </a:ext>
+                </a:extLst>
+              </a:blip>
+              <a:srcRect/>
+              <a:stretch>
+                <a:fillRect/>
+              </a:stretch>
+            </p:blipFill>
+            <p:spPr bwMode="auto">
+              <a:xfrm>
+                <a:off x="5295900" y="643128"/>
+                <a:ext cx="1361082" cy="1152144"/>
+              </a:xfrm>
+              <a:prstGeom prst="rect">
+                <a:avLst/>
+              </a:prstGeom>
+              <a:noFill/>
+              <a:ln>
+                <a:noFill/>
+              </a:ln>
+              <a:extLst>
+                <a:ext uri="{909E8E84-426E-40DD-AFC4-6F175D3DCCD1}">
+                  <a14:hiddenFill xmlns:a14="http://schemas.microsoft.com/office/drawing/2010/main">
+                    <a:solidFill>
+                      <a:schemeClr val="accent1"/>
+                    </a:solidFill>
+                  </a14:hiddenFill>
+                </a:ext>
+                <a:ext uri="{91240B29-F687-4F45-9708-019B960494DF}">
+                  <a14:hiddenLine xmlns:a14="http://schemas.microsoft.com/office/drawing/2010/main" w="9525">
+                    <a:solidFill>
+                      <a:schemeClr val="tx1"/>
+                    </a:solidFill>
+                    <a:miter lim="800000"/>
+                    <a:headEnd/>
+                    <a:tailEnd/>
+                  </a14:hiddenLine>
+                </a:ext>
+              </a:extLst>
+            </p:spPr>
+          </p:pic>
+          <p:pic>
+            <p:nvPicPr>
+              <p:cNvPr id="2053" name="Picture 5"/>
+              <p:cNvPicPr>
+                <a:picLocks noChangeAspect="1" noChangeArrowheads="1"/>
+              </p:cNvPicPr>
+              <p:nvPr/>
+            </p:nvPicPr>
+            <p:blipFill>
+              <a:blip r:embed="rId4">
+                <a:extLst>
+                  <a:ext uri="{28A0092B-C50C-407E-A947-70E740481C1C}">
+                    <a14:useLocalDpi xmlns:a14="http://schemas.microsoft.com/office/drawing/2010/main" val="0"/>
+                  </a:ext>
+                </a:extLst>
+              </a:blip>
+              <a:srcRect/>
+              <a:stretch>
+                <a:fillRect/>
+              </a:stretch>
+            </p:blipFill>
+            <p:spPr bwMode="auto">
+              <a:xfrm>
+                <a:off x="6652716" y="643128"/>
+                <a:ext cx="1371600" cy="1149988"/>
+              </a:xfrm>
+              <a:prstGeom prst="rect">
+                <a:avLst/>
+              </a:prstGeom>
+              <a:noFill/>
+              <a:ln>
+                <a:noFill/>
+              </a:ln>
+              <a:extLst>
+                <a:ext uri="{909E8E84-426E-40DD-AFC4-6F175D3DCCD1}">
+                  <a14:hiddenFill xmlns:a14="http://schemas.microsoft.com/office/drawing/2010/main">
+                    <a:solidFill>
+                      <a:schemeClr val="accent1"/>
+                    </a:solidFill>
+                  </a14:hiddenFill>
+                </a:ext>
+                <a:ext uri="{91240B29-F687-4F45-9708-019B960494DF}">
+                  <a14:hiddenLine xmlns:a14="http://schemas.microsoft.com/office/drawing/2010/main" w="9525">
+                    <a:solidFill>
+                      <a:schemeClr val="tx1"/>
+                    </a:solidFill>
+                    <a:miter lim="800000"/>
+                    <a:headEnd/>
+                    <a:tailEnd/>
+                  </a14:hiddenLine>
+                </a:ext>
+              </a:extLst>
+            </p:spPr>
+          </p:pic>
+        </p:grpSp>
+      </p:grpSp>
+    </p:spTree>
+    <p:extLst>
+      <p:ext uri="{BB962C8B-B14F-4D97-AF65-F5344CB8AC3E}">
+        <p14:creationId xmlns:p14="http://schemas.microsoft.com/office/powerpoint/2010/main" val="4016062657"/>
+      </p:ext>
+    </p:extLst>
+  </p:cSld>
+  <p:clrMapOvr>
+    <a:masterClrMapping/>
+  </p:clrMapOvr>
+  <p:timing>
+    <p:tnLst>
+      <p:par>
+        <p:cTn id="1" dur="indefinite" restart="never" nodeType="tmRoot"/>
+      </p:par>
+    </p:tnLst>
+  </p:timing>
+</p:sld>
+</file>
+
+<file path=ppt/slides/slide9.xml><?xml version="1.0" encoding="utf-8"?>
+<p:sld xmlns:a="http://schemas.openxmlformats.org/drawingml/2006/main" xmlns:r="http://schemas.openxmlformats.org/officeDocument/2006/relationships" xmlns:p="http://schemas.openxmlformats.org/presentationml/2006/main">
+  <p:cSld>
+    <p:spTree>
+      <p:nvGrpSpPr>
+        <p:cNvPr id="1" name=""/>
+        <p:cNvGrpSpPr/>
+        <p:nvPr/>
+      </p:nvGrpSpPr>
+      <p:grpSpPr>
+        <a:xfrm>
+          <a:off x="0" y="0"/>
+          <a:ext cx="0" cy="0"/>
+          <a:chOff x="0" y="0"/>
+          <a:chExt cx="0" cy="0"/>
+        </a:xfrm>
+      </p:grpSpPr>
+      <p:grpSp>
+        <p:nvGrpSpPr>
+          <p:cNvPr id="3" name="组合 2"/>
+          <p:cNvGrpSpPr/>
+          <p:nvPr/>
+        </p:nvGrpSpPr>
+        <p:grpSpPr>
+          <a:xfrm>
+            <a:off x="-131234" y="-762000"/>
+            <a:ext cx="8455781" cy="13689330"/>
+            <a:chOff x="-131234" y="-762000"/>
+            <a:chExt cx="8455781" cy="13689330"/>
+          </a:xfrm>
+        </p:grpSpPr>
+        <p:pic>
+          <p:nvPicPr>
+            <p:cNvPr id="3076" name="Picture 4" descr="Z:\Pictures\com.tencent.ScreenCapture\screencap\10.png"/>
+            <p:cNvPicPr>
+              <a:picLocks noChangeAspect="1" noChangeArrowheads="1"/>
+            </p:cNvPicPr>
+            <p:nvPr/>
+          </p:nvPicPr>
+          <p:blipFill>
+            <a:blip r:embed="rId2">
+              <a:extLst>
+                <a:ext uri="{28A0092B-C50C-407E-A947-70E740481C1C}">
+                  <a14:useLocalDpi xmlns:a14="http://schemas.microsoft.com/office/drawing/2010/main" val="0"/>
+                </a:ext>
+              </a:extLst>
+            </a:blip>
+            <a:srcRect/>
+            <a:stretch>
+              <a:fillRect/>
+            </a:stretch>
+          </p:blipFill>
+          <p:spPr bwMode="auto">
+            <a:xfrm>
+              <a:off x="4209747" y="6343650"/>
+              <a:ext cx="4114800" cy="6583680"/>
+            </a:xfrm>
+            <a:prstGeom prst="rect">
+              <a:avLst/>
+            </a:prstGeom>
+            <a:noFill/>
+            <a:extLst>
+              <a:ext uri="{909E8E84-426E-40DD-AFC4-6F175D3DCCD1}">
+                <a14:hiddenFill xmlns:a14="http://schemas.microsoft.com/office/drawing/2010/main">
+                  <a:solidFill>
+                    <a:srgbClr val="FFFFFF"/>
+                  </a:solidFill>
+                </a14:hiddenFill>
+              </a:ext>
+            </a:extLst>
+          </p:spPr>
+        </p:pic>
+        <p:pic>
+          <p:nvPicPr>
+            <p:cNvPr id="3074" name="Picture 2" descr="Z:\Pictures\com.tencent.ScreenCapture\screencap\5.png"/>
+            <p:cNvPicPr>
+              <a:picLocks noChangeAspect="1" noChangeArrowheads="1"/>
+            </p:cNvPicPr>
+            <p:nvPr/>
+          </p:nvPicPr>
+          <p:blipFill>
+            <a:blip r:embed="rId3">
+              <a:extLst>
+                <a:ext uri="{28A0092B-C50C-407E-A947-70E740481C1C}">
+                  <a14:useLocalDpi xmlns:a14="http://schemas.microsoft.com/office/drawing/2010/main" val="0"/>
+                </a:ext>
+              </a:extLst>
+            </a:blip>
+            <a:srcRect/>
+            <a:stretch>
+              <a:fillRect/>
+            </a:stretch>
+          </p:blipFill>
+          <p:spPr bwMode="auto">
+            <a:xfrm>
+              <a:off x="-131234" y="-762000"/>
+              <a:ext cx="4114800" cy="6583680"/>
+            </a:xfrm>
+            <a:prstGeom prst="rect">
+              <a:avLst/>
+            </a:prstGeom>
+            <a:noFill/>
+            <a:extLst>
+              <a:ext uri="{909E8E84-426E-40DD-AFC4-6F175D3DCCD1}">
+                <a14:hiddenFill xmlns:a14="http://schemas.microsoft.com/office/drawing/2010/main">
+                  <a:solidFill>
+                    <a:srgbClr val="FFFFFF"/>
+                  </a:solidFill>
+                </a14:hiddenFill>
+              </a:ext>
+            </a:extLst>
+          </p:spPr>
+        </p:pic>
+        <p:pic>
+          <p:nvPicPr>
+            <p:cNvPr id="3075" name="Picture 3" descr="Z:\Pictures\com.tencent.ScreenCapture\screencap\6.png"/>
+            <p:cNvPicPr>
+              <a:picLocks noChangeAspect="1" noChangeArrowheads="1"/>
+            </p:cNvPicPr>
+            <p:nvPr/>
+          </p:nvPicPr>
+          <p:blipFill>
+            <a:blip r:embed="rId4">
+              <a:extLst>
+                <a:ext uri="{28A0092B-C50C-407E-A947-70E740481C1C}">
+                  <a14:useLocalDpi xmlns:a14="http://schemas.microsoft.com/office/drawing/2010/main" val="0"/>
+                </a:ext>
+              </a:extLst>
+            </a:blip>
+            <a:srcRect/>
+            <a:stretch>
+              <a:fillRect/>
+            </a:stretch>
+          </p:blipFill>
+          <p:spPr bwMode="auto">
+            <a:xfrm>
+              <a:off x="4209747" y="-762000"/>
+              <a:ext cx="4114800" cy="6583680"/>
+            </a:xfrm>
+            <a:prstGeom prst="rect">
+              <a:avLst/>
+            </a:prstGeom>
+            <a:noFill/>
+            <a:extLst>
+              <a:ext uri="{909E8E84-426E-40DD-AFC4-6F175D3DCCD1}">
+                <a14:hiddenFill xmlns:a14="http://schemas.microsoft.com/office/drawing/2010/main">
+                  <a:solidFill>
+                    <a:srgbClr val="FFFFFF"/>
+                  </a:solidFill>
+                </a14:hiddenFill>
+              </a:ext>
+            </a:extLst>
+          </p:spPr>
+        </p:pic>
+        <p:cxnSp>
+          <p:nvCxnSpPr>
+            <p:cNvPr id="8" name="直接连接符 7"/>
+            <p:cNvCxnSpPr/>
+            <p:nvPr/>
+          </p:nvCxnSpPr>
+          <p:spPr>
+            <a:xfrm>
+              <a:off x="1219200" y="5627189"/>
+              <a:ext cx="3962400" cy="0"/>
+            </a:xfrm>
+            <a:prstGeom prst="line">
+              <a:avLst/>
+            </a:prstGeom>
+            <a:ln w="19050">
+              <a:solidFill>
+                <a:schemeClr val="tx2">
+                  <a:lumMod val="60000"/>
+                  <a:lumOff val="40000"/>
+                </a:schemeClr>
+              </a:solidFill>
+              <a:headEnd type="oval" w="med" len="med"/>
+              <a:tailEnd type="oval" w="med" len="med"/>
+            </a:ln>
+          </p:spPr>
+          <p:style>
+            <a:lnRef idx="1">
+              <a:schemeClr val="accent1"/>
+            </a:lnRef>
+            <a:fillRef idx="0">
+              <a:schemeClr val="accent1"/>
+            </a:fillRef>
+            <a:effectRef idx="0">
+              <a:schemeClr val="accent1"/>
+            </a:effectRef>
+            <a:fontRef idx="minor">
+              <a:schemeClr val="tx1"/>
+            </a:fontRef>
+          </p:style>
+        </p:cxnSp>
+        <p:cxnSp>
+          <p:nvCxnSpPr>
+            <p:cNvPr id="15" name="肘形连接符 14"/>
+            <p:cNvCxnSpPr/>
+            <p:nvPr/>
+          </p:nvCxnSpPr>
+          <p:spPr>
+            <a:xfrm rot="5400000" flipH="1" flipV="1">
+              <a:off x="4782155" y="3410554"/>
+              <a:ext cx="2667001" cy="1484694"/>
+            </a:xfrm>
+            <a:prstGeom prst="bentConnector3">
+              <a:avLst/>
+            </a:prstGeom>
+            <a:ln w="19050">
+              <a:solidFill>
+                <a:schemeClr val="tx2">
+                  <a:lumMod val="60000"/>
+                  <a:lumOff val="40000"/>
+                </a:schemeClr>
+              </a:solidFill>
+              <a:headEnd type="oval" w="med" len="med"/>
+              <a:tailEnd type="oval" w="med" len="med"/>
+            </a:ln>
+          </p:spPr>
+          <p:style>
+            <a:lnRef idx="1">
+              <a:schemeClr val="accent1"/>
+            </a:lnRef>
+            <a:fillRef idx="0">
+              <a:schemeClr val="accent1"/>
+            </a:fillRef>
+            <a:effectRef idx="0">
+              <a:schemeClr val="accent1"/>
+            </a:effectRef>
+            <a:fontRef idx="minor">
+              <a:schemeClr val="tx1"/>
+            </a:fontRef>
+          </p:style>
+        </p:cxnSp>
+        <p:grpSp>
+          <p:nvGrpSpPr>
+            <p:cNvPr id="2" name="组合 1"/>
+            <p:cNvGrpSpPr/>
+            <p:nvPr/>
+          </p:nvGrpSpPr>
+          <p:grpSpPr>
+            <a:xfrm>
+              <a:off x="-131234" y="6343650"/>
+              <a:ext cx="4541308" cy="6583680"/>
+              <a:chOff x="-131234" y="6343650"/>
+              <a:chExt cx="4541308" cy="6583680"/>
+            </a:xfrm>
+          </p:grpSpPr>
+          <p:pic>
+            <p:nvPicPr>
+              <p:cNvPr id="3077" name="Picture 5" descr="Z:\Pictures\com.tencent.ScreenCapture\screencap\11.png"/>
+              <p:cNvPicPr>
+                <a:picLocks noChangeAspect="1" noChangeArrowheads="1"/>
+              </p:cNvPicPr>
+              <p:nvPr/>
+            </p:nvPicPr>
+            <p:blipFill>
+              <a:blip r:embed="rId5">
+                <a:extLst>
+                  <a:ext uri="{28A0092B-C50C-407E-A947-70E740481C1C}">
+                    <a14:useLocalDpi xmlns:a14="http://schemas.microsoft.com/office/drawing/2010/main" val="0"/>
+                  </a:ext>
+                </a:extLst>
+              </a:blip>
+              <a:srcRect/>
+              <a:stretch>
+                <a:fillRect/>
+              </a:stretch>
+            </p:blipFill>
+            <p:spPr bwMode="auto">
+              <a:xfrm>
+                <a:off x="-131234" y="6343650"/>
+                <a:ext cx="4114800" cy="6583680"/>
+              </a:xfrm>
+              <a:prstGeom prst="rect">
+                <a:avLst/>
+              </a:prstGeom>
+              <a:noFill/>
+              <a:extLst>
+                <a:ext uri="{909E8E84-426E-40DD-AFC4-6F175D3DCCD1}">
+                  <a14:hiddenFill xmlns:a14="http://schemas.microsoft.com/office/drawing/2010/main">
+                    <a:solidFill>
+                      <a:srgbClr val="FFFFFF"/>
+                    </a:solidFill>
+                  </a14:hiddenFill>
+                </a:ext>
+              </a:extLst>
+            </p:spPr>
+          </p:pic>
+          <p:pic>
+            <p:nvPicPr>
+              <p:cNvPr id="32" name="Picture 7" descr="C:\Users\tagwang\Desktop\drawable-hdpi\arrow_dashed.png"/>
+              <p:cNvPicPr>
+                <a:picLocks noChangeAspect="1" noChangeArrowheads="1"/>
+              </p:cNvPicPr>
+              <p:nvPr/>
+            </p:nvPicPr>
+            <p:blipFill>
+              <a:blip r:embed="rId6">
+                <a:extLst>
+                  <a:ext uri="{28A0092B-C50C-407E-A947-70E740481C1C}">
+                    <a14:useLocalDpi xmlns:a14="http://schemas.microsoft.com/office/drawing/2010/main" val="0"/>
+                  </a:ext>
+                </a:extLst>
+              </a:blip>
+              <a:srcRect/>
+              <a:stretch>
+                <a:fillRect/>
+              </a:stretch>
+            </p:blipFill>
+            <p:spPr bwMode="auto">
+              <a:xfrm rot="5400000">
+                <a:off x="1909762" y="8116254"/>
+                <a:ext cx="1962150" cy="3038475"/>
+              </a:xfrm>
+              <a:prstGeom prst="rect">
+                <a:avLst/>
+              </a:prstGeom>
+              <a:noFill/>
+              <a:extLst>
+                <a:ext uri="{909E8E84-426E-40DD-AFC4-6F175D3DCCD1}">
+                  <a14:hiddenFill xmlns:a14="http://schemas.microsoft.com/office/drawing/2010/main">
+                    <a:solidFill>
+                      <a:srgbClr val="FFFFFF"/>
+                    </a:solidFill>
+                  </a14:hiddenFill>
+                </a:ext>
+              </a:extLst>
+            </p:spPr>
+          </p:pic>
+        </p:grpSp>
+        <p:sp>
+          <p:nvSpPr>
+            <p:cNvPr id="38" name="圆角矩形标注 37"/>
+            <p:cNvSpPr/>
+            <p:nvPr/>
+          </p:nvSpPr>
+          <p:spPr>
+            <a:xfrm flipH="1">
+              <a:off x="1143000" y="5105400"/>
+              <a:ext cx="457200" cy="283464"/>
+            </a:xfrm>
+            <a:prstGeom prst="wedgeRoundRectCallout">
+              <a:avLst>
+                <a:gd name="adj1" fmla="val 39484"/>
+                <a:gd name="adj2" fmla="val 98037"/>
+                <a:gd name="adj3" fmla="val 16667"/>
+              </a:avLst>
+            </a:prstGeom>
+            <a:solidFill>
+              <a:schemeClr val="accent1"/>
+            </a:solidFill>
+            <a:ln>
+              <a:noFill/>
+            </a:ln>
+            <a:effectLst>
+              <a:outerShdw blurRad="50800" dist="38100" dir="5400000" algn="t" rotWithShape="0">
+                <a:prstClr val="black">
+                  <a:alpha val="40000"/>
+                </a:prstClr>
+              </a:outerShdw>
+            </a:effectLst>
+          </p:spPr>
+          <p:style>
+            <a:lnRef idx="2">
+              <a:schemeClr val="accent1">
+                <a:shade val="50000"/>
+              </a:schemeClr>
+            </a:lnRef>
+            <a:fillRef idx="1">
+              <a:schemeClr val="accent1"/>
+            </a:fillRef>
+            <a:effectRef idx="0">
+              <a:schemeClr val="accent1"/>
+            </a:effectRef>
+            <a:fontRef idx="minor">
+              <a:schemeClr val="lt1"/>
+            </a:fontRef>
+          </p:style>
+          <p:txBody>
+            <a:bodyPr rtlCol="0" anchor="ctr"/>
+            <a:lstStyle/>
+            <a:p>
+              <a:pPr algn="ctr"/>
+              <a:r>
+                <a:rPr lang="en-US" altLang="zh-CN" dirty="0" smtClean="0">
+                  <a:latin typeface="Times New Roman" panose="02020603050405020304" pitchFamily="18" charset="0"/>
+                  <a:cs typeface="Times New Roman" panose="02020603050405020304" pitchFamily="18" charset="0"/>
+                </a:rPr>
+                <a:t>1</a:t>
+              </a:r>
+              <a:endParaRPr lang="zh-CN" altLang="en-US" dirty="0">
+                <a:latin typeface="Times New Roman" panose="02020603050405020304" pitchFamily="18" charset="0"/>
+                <a:cs typeface="Times New Roman" panose="02020603050405020304" pitchFamily="18" charset="0"/>
+              </a:endParaRPr>
+            </a:p>
+          </p:txBody>
+        </p:sp>
+        <p:sp>
+          <p:nvSpPr>
+            <p:cNvPr id="39" name="圆角矩形标注 38"/>
+            <p:cNvSpPr/>
+            <p:nvPr/>
+          </p:nvSpPr>
+          <p:spPr>
+            <a:xfrm flipH="1">
+              <a:off x="6934200" y="2260473"/>
+              <a:ext cx="457200" cy="283464"/>
+            </a:xfrm>
+            <a:prstGeom prst="wedgeRoundRectCallout">
+              <a:avLst>
+                <a:gd name="adj1" fmla="val 39484"/>
+                <a:gd name="adj2" fmla="val 98037"/>
+                <a:gd name="adj3" fmla="val 16667"/>
+              </a:avLst>
+            </a:prstGeom>
+            <a:solidFill>
+              <a:schemeClr val="accent1"/>
+            </a:solidFill>
+            <a:ln>
+              <a:noFill/>
+            </a:ln>
+            <a:effectLst>
+              <a:outerShdw blurRad="50800" dist="38100" dir="5400000" algn="t" rotWithShape="0">
+                <a:prstClr val="black">
+                  <a:alpha val="40000"/>
+                </a:prstClr>
+              </a:outerShdw>
+            </a:effectLst>
+          </p:spPr>
+          <p:style>
+            <a:lnRef idx="2">
+              <a:schemeClr val="accent1">
+                <a:shade val="50000"/>
+              </a:schemeClr>
+            </a:lnRef>
+            <a:fillRef idx="1">
+              <a:schemeClr val="accent1"/>
+            </a:fillRef>
+            <a:effectRef idx="0">
+              <a:schemeClr val="accent1"/>
+            </a:effectRef>
+            <a:fontRef idx="minor">
+              <a:schemeClr val="lt1"/>
+            </a:fontRef>
+          </p:style>
+          <p:txBody>
+            <a:bodyPr rtlCol="0" anchor="ctr"/>
+            <a:lstStyle/>
+            <a:p>
+              <a:pPr algn="ctr"/>
+              <a:r>
+                <a:rPr lang="en-US" altLang="zh-CN" dirty="0" smtClean="0">
+                  <a:latin typeface="Times New Roman" panose="02020603050405020304" pitchFamily="18" charset="0"/>
+                  <a:cs typeface="Times New Roman" panose="02020603050405020304" pitchFamily="18" charset="0"/>
+                </a:rPr>
+                <a:t>3</a:t>
+              </a:r>
+              <a:endParaRPr lang="zh-CN" altLang="en-US" dirty="0">
+                <a:latin typeface="Times New Roman" panose="02020603050405020304" pitchFamily="18" charset="0"/>
+                <a:cs typeface="Times New Roman" panose="02020603050405020304" pitchFamily="18" charset="0"/>
+              </a:endParaRPr>
+            </a:p>
+          </p:txBody>
+        </p:sp>
+        <p:sp>
+          <p:nvSpPr>
+            <p:cNvPr id="40" name="圆角矩形标注 39"/>
+            <p:cNvSpPr/>
+            <p:nvPr/>
+          </p:nvSpPr>
+          <p:spPr>
+            <a:xfrm flipH="1">
+              <a:off x="5373308" y="5598614"/>
+              <a:ext cx="457200" cy="283464"/>
+            </a:xfrm>
+            <a:prstGeom prst="wedgeRoundRectCallout">
+              <a:avLst>
+                <a:gd name="adj1" fmla="val 39483"/>
+                <a:gd name="adj2" fmla="val -81175"/>
+                <a:gd name="adj3" fmla="val 16667"/>
+              </a:avLst>
+            </a:prstGeom>
+            <a:solidFill>
+              <a:schemeClr val="accent1"/>
+            </a:solidFill>
+            <a:ln>
+              <a:noFill/>
+            </a:ln>
+            <a:effectLst>
+              <a:outerShdw blurRad="50800" dist="38100" dir="5400000" algn="t" rotWithShape="0">
+                <a:prstClr val="black">
+                  <a:alpha val="40000"/>
+                </a:prstClr>
+              </a:outerShdw>
+            </a:effectLst>
+          </p:spPr>
+          <p:style>
+            <a:lnRef idx="2">
+              <a:schemeClr val="accent1">
+                <a:shade val="50000"/>
+              </a:schemeClr>
+            </a:lnRef>
+            <a:fillRef idx="1">
+              <a:schemeClr val="accent1"/>
+            </a:fillRef>
+            <a:effectRef idx="0">
+              <a:schemeClr val="accent1"/>
+            </a:effectRef>
+            <a:fontRef idx="minor">
+              <a:schemeClr val="lt1"/>
+            </a:fontRef>
+          </p:style>
+          <p:txBody>
+            <a:bodyPr rtlCol="0" anchor="ctr"/>
+            <a:lstStyle/>
+            <a:p>
+              <a:pPr algn="ctr"/>
+              <a:r>
+                <a:rPr lang="en-US" altLang="zh-CN" dirty="0">
+                  <a:latin typeface="Times New Roman" panose="02020603050405020304" pitchFamily="18" charset="0"/>
+                  <a:cs typeface="Times New Roman" panose="02020603050405020304" pitchFamily="18" charset="0"/>
+                </a:rPr>
+                <a:t>2</a:t>
+              </a:r>
+              <a:endParaRPr lang="zh-CN" altLang="en-US" dirty="0">
+                <a:latin typeface="Times New Roman" panose="02020603050405020304" pitchFamily="18" charset="0"/>
+                <a:cs typeface="Times New Roman" panose="02020603050405020304" pitchFamily="18" charset="0"/>
+              </a:endParaRPr>
+            </a:p>
+          </p:txBody>
+        </p:sp>
+        <p:cxnSp>
+          <p:nvCxnSpPr>
+            <p:cNvPr id="41" name="直接连接符 40"/>
+            <p:cNvCxnSpPr/>
+            <p:nvPr/>
+          </p:nvCxnSpPr>
+          <p:spPr>
+            <a:xfrm>
+              <a:off x="7543800" y="2819400"/>
+              <a:ext cx="0" cy="3524250"/>
+            </a:xfrm>
+            <a:prstGeom prst="line">
+              <a:avLst/>
+            </a:prstGeom>
+            <a:ln w="19050">
+              <a:solidFill>
+                <a:schemeClr val="tx2">
+                  <a:lumMod val="60000"/>
+                  <a:lumOff val="40000"/>
+                </a:schemeClr>
+              </a:solidFill>
+              <a:headEnd type="oval" w="med" len="med"/>
+              <a:tailEnd type="oval" w="med" len="med"/>
+            </a:ln>
+          </p:spPr>
+          <p:style>
+            <a:lnRef idx="1">
+              <a:schemeClr val="accent1"/>
+            </a:lnRef>
+            <a:fillRef idx="0">
+              <a:schemeClr val="accent1"/>
+            </a:fillRef>
+            <a:effectRef idx="0">
+              <a:schemeClr val="accent1"/>
+            </a:effectRef>
+            <a:fontRef idx="minor">
+              <a:schemeClr val="tx1"/>
+            </a:fontRef>
+          </p:style>
+        </p:cxnSp>
+      </p:grpSp>
+    </p:spTree>
+    <p:extLst>
+      <p:ext uri="{BB962C8B-B14F-4D97-AF65-F5344CB8AC3E}">
+        <p14:creationId xmlns:p14="http://schemas.microsoft.com/office/powerpoint/2010/main" val="542118810"/>
+      </p:ext>
+    </p:extLst>
+  </p:cSld>
+  <p:clrMapOvr>
+    <a:masterClrMapping/>
+  </p:clrMapOvr>
+  <p:timing>
+    <p:tnLst>
+      <p:par>
+        <p:cTn id="1" dur="indefinite" restart="never" nodeType="tmRoot"/>
+      </p:par>
+    </p:tnLst>
+  </p:timing>
+</p:sld>
+</file>
+
 <file path=ppt/theme/theme1.xml><?xml version="1.0" encoding="utf-8"?>
 <a:theme xmlns:a="http://schemas.openxmlformats.org/drawingml/2006/main" name="Office 主题​​">
   <a:themeElements>
